--- a/Buổi 1/Template kick-off.pptx
+++ b/Buổi 1/Template kick-off.pptx
@@ -1,34 +1,41 @@
 
 <file path=ppt/presentation.xml><?xml version="1.0" encoding="utf-8"?>
-<p:presentation xmlns:a="http://schemas.openxmlformats.org/drawingml/2006/main" xmlns:r="http://schemas.openxmlformats.org/officeDocument/2006/relationships" xmlns:p="http://schemas.openxmlformats.org/presentationml/2006/main" saveSubsetFonts="1" embedTrueTypeFonts="true">
+<p:presentation xmlns:a="http://schemas.openxmlformats.org/drawingml/2006/main" xmlns:r="http://schemas.openxmlformats.org/officeDocument/2006/relationships" xmlns:p="http://schemas.openxmlformats.org/presentationml/2006/main" embedTrueTypeFonts="1" saveSubsetFonts="1">
   <p:sldMasterIdLst>
     <p:sldMasterId id="2147483648" r:id="rId1"/>
   </p:sldMasterIdLst>
   <p:sldIdLst>
-    <p:sldId id="256" r:id="rId6"/>
-    <p:sldId id="257" r:id="rId7"/>
-    <p:sldId id="258" r:id="rId8"/>
-    <p:sldId id="259" r:id="rId9"/>
-    <p:sldId id="260" r:id="rId10"/>
-    <p:sldId id="261" r:id="rId11"/>
-    <p:sldId id="262" r:id="rId12"/>
-    <p:sldId id="263" r:id="rId13"/>
-    <p:sldId id="264" r:id="rId14"/>
-    <p:sldId id="265" r:id="rId15"/>
+    <p:sldId id="256" r:id="rId2"/>
+    <p:sldId id="257" r:id="rId3"/>
+    <p:sldId id="258" r:id="rId4"/>
+    <p:sldId id="259" r:id="rId5"/>
+    <p:sldId id="260" r:id="rId6"/>
+    <p:sldId id="261" r:id="rId7"/>
+    <p:sldId id="262" r:id="rId8"/>
+    <p:sldId id="263" r:id="rId9"/>
+    <p:sldId id="264" r:id="rId10"/>
+    <p:sldId id="265" r:id="rId11"/>
   </p:sldIdLst>
   <p:sldSz cx="18288000" cy="10287000"/>
   <p:notesSz cx="6858000" cy="9144000"/>
   <p:embeddedFontLst>
     <p:embeddedFont>
-      <p:font typeface="Cormorant Garamond Bold Italics" charset="1" panose="00000800000000000000"/>
+      <p:font typeface="Calibri" panose="020F0502020204030204" pitchFamily="34" charset="0"/>
+      <p:regular r:id="rId12"/>
+      <p:bold r:id="rId13"/>
+      <p:italic r:id="rId14"/>
+      <p:boldItalic r:id="rId15"/>
+    </p:embeddedFont>
+    <p:embeddedFont>
+      <p:font typeface="Cormorant Garamond Bold Italics" panose="020B0604020202020204" charset="0"/>
       <p:regular r:id="rId16"/>
     </p:embeddedFont>
     <p:embeddedFont>
-      <p:font typeface="Quicksand" charset="1" panose="00000000000000000000"/>
+      <p:font typeface="Quicksand" panose="020B0604020202020204" charset="0"/>
       <p:regular r:id="rId17"/>
     </p:embeddedFont>
     <p:embeddedFont>
-      <p:font typeface="Quicksand Bold" charset="1" panose="00000000000000000000"/>
+      <p:font typeface="Quicksand Bold" panose="020B0604020202020204" charset="0"/>
       <p:regular r:id="rId18"/>
     </p:embeddedFont>
   </p:embeddedFontLst>
@@ -127,6 +134,22 @@
       </a:defRPr>
     </a:lvl9pPr>
   </p:defaultTextStyle>
+  <p:extLst>
+    <p:ext uri="{EFAFB233-063F-42B5-8137-9DF3F51BA10A}">
+      <p15:sldGuideLst xmlns:p15="http://schemas.microsoft.com/office/powerpoint/2012/main">
+        <p15:guide id="1" orient="horz" pos="2160">
+          <p15:clr>
+            <a:srgbClr val="A4A3A4"/>
+          </p15:clr>
+        </p15:guide>
+        <p15:guide id="2" pos="2880">
+          <p15:clr>
+            <a:srgbClr val="A4A3A4"/>
+          </p15:clr>
+        </p15:guide>
+      </p15:sldGuideLst>
+    </p:ext>
+  </p:extLst>
 </p:presentation>
 </file>
 
@@ -168,10 +191,9 @@
           <a:lstStyle/>
           <a:p>
             <a:r>
-              <a:rPr lang="en-US" smtClean="0"/>
+              <a:rPr lang="en-US"/>
               <a:t>Click to edit Master title style</a:t>
             </a:r>
-            <a:endParaRPr lang="en-US"/>
           </a:p>
         </p:txBody>
       </p:sp>
@@ -287,10 +309,9 @@
           </a:lstStyle>
           <a:p>
             <a:r>
-              <a:rPr lang="en-US" smtClean="0"/>
+              <a:rPr lang="en-US"/>
               <a:t>Click to edit Master subtitle style</a:t>
             </a:r>
-            <a:endParaRPr lang="en-US"/>
           </a:p>
         </p:txBody>
       </p:sp>
@@ -312,7 +333,7 @@
             <a:fld id="{1D8BD707-D9CF-40AE-B4C6-C98DA3205C09}" type="datetimeFigureOut">
               <a:rPr lang="en-US" smtClean="0"/>
               <a:pPr/>
-              <a:t>8/1/2011</a:t>
+              <a:t>03/14/2025</a:t>
             </a:fld>
             <a:endParaRPr lang="en-US"/>
           </a:p>
@@ -402,10 +423,9 @@
           <a:lstStyle/>
           <a:p>
             <a:r>
-              <a:rPr lang="en-US" smtClean="0"/>
+              <a:rPr lang="en-US"/>
               <a:t>Click to edit Master title style</a:t>
             </a:r>
-            <a:endParaRPr lang="en-US"/>
           </a:p>
         </p:txBody>
       </p:sp>
@@ -426,38 +446,37 @@
           <a:p>
             <a:pPr lvl="0"/>
             <a:r>
-              <a:rPr lang="en-US" smtClean="0"/>
+              <a:rPr lang="en-US"/>
               <a:t>Click to edit Master text styles</a:t>
             </a:r>
           </a:p>
           <a:p>
             <a:pPr lvl="1"/>
             <a:r>
-              <a:rPr lang="en-US" smtClean="0"/>
+              <a:rPr lang="en-US"/>
               <a:t>Second level</a:t>
             </a:r>
           </a:p>
           <a:p>
             <a:pPr lvl="2"/>
             <a:r>
-              <a:rPr lang="en-US" smtClean="0"/>
+              <a:rPr lang="en-US"/>
               <a:t>Third level</a:t>
             </a:r>
           </a:p>
           <a:p>
             <a:pPr lvl="3"/>
             <a:r>
-              <a:rPr lang="en-US" smtClean="0"/>
+              <a:rPr lang="en-US"/>
               <a:t>Fourth level</a:t>
             </a:r>
           </a:p>
           <a:p>
             <a:pPr lvl="4"/>
             <a:r>
-              <a:rPr lang="en-US" smtClean="0"/>
+              <a:rPr lang="en-US"/>
               <a:t>Fifth level</a:t>
             </a:r>
-            <a:endParaRPr lang="en-US"/>
           </a:p>
         </p:txBody>
       </p:sp>
@@ -479,7 +498,7 @@
             <a:fld id="{1D8BD707-D9CF-40AE-B4C6-C98DA3205C09}" type="datetimeFigureOut">
               <a:rPr lang="en-US" smtClean="0"/>
               <a:pPr/>
-              <a:t>8/1/2011</a:t>
+              <a:t>03/14/2025</a:t>
             </a:fld>
             <a:endParaRPr lang="en-US"/>
           </a:p>
@@ -574,10 +593,9 @@
           <a:lstStyle/>
           <a:p>
             <a:r>
-              <a:rPr lang="en-US" smtClean="0"/>
+              <a:rPr lang="en-US"/>
               <a:t>Click to edit Master title style</a:t>
             </a:r>
-            <a:endParaRPr lang="en-US"/>
           </a:p>
         </p:txBody>
       </p:sp>
@@ -603,38 +621,37 @@
           <a:p>
             <a:pPr lvl="0"/>
             <a:r>
-              <a:rPr lang="en-US" smtClean="0"/>
+              <a:rPr lang="en-US"/>
               <a:t>Click to edit Master text styles</a:t>
             </a:r>
           </a:p>
           <a:p>
             <a:pPr lvl="1"/>
             <a:r>
-              <a:rPr lang="en-US" smtClean="0"/>
+              <a:rPr lang="en-US"/>
               <a:t>Second level</a:t>
             </a:r>
           </a:p>
           <a:p>
             <a:pPr lvl="2"/>
             <a:r>
-              <a:rPr lang="en-US" smtClean="0"/>
+              <a:rPr lang="en-US"/>
               <a:t>Third level</a:t>
             </a:r>
           </a:p>
           <a:p>
             <a:pPr lvl="3"/>
             <a:r>
-              <a:rPr lang="en-US" smtClean="0"/>
+              <a:rPr lang="en-US"/>
               <a:t>Fourth level</a:t>
             </a:r>
           </a:p>
           <a:p>
             <a:pPr lvl="4"/>
             <a:r>
-              <a:rPr lang="en-US" smtClean="0"/>
+              <a:rPr lang="en-US"/>
               <a:t>Fifth level</a:t>
             </a:r>
-            <a:endParaRPr lang="en-US"/>
           </a:p>
         </p:txBody>
       </p:sp>
@@ -656,7 +673,7 @@
             <a:fld id="{1D8BD707-D9CF-40AE-B4C6-C98DA3205C09}" type="datetimeFigureOut">
               <a:rPr lang="en-US" smtClean="0"/>
               <a:pPr/>
-              <a:t>8/1/2011</a:t>
+              <a:t>03/14/2025</a:t>
             </a:fld>
             <a:endParaRPr lang="en-US"/>
           </a:p>
@@ -746,10 +763,9 @@
           <a:lstStyle/>
           <a:p>
             <a:r>
-              <a:rPr lang="en-US" smtClean="0"/>
+              <a:rPr lang="en-US"/>
               <a:t>Click to edit Master title style</a:t>
             </a:r>
-            <a:endParaRPr lang="en-US"/>
           </a:p>
         </p:txBody>
       </p:sp>
@@ -770,38 +786,37 @@
           <a:p>
             <a:pPr lvl="0"/>
             <a:r>
-              <a:rPr lang="en-US" smtClean="0"/>
+              <a:rPr lang="en-US"/>
               <a:t>Click to edit Master text styles</a:t>
             </a:r>
           </a:p>
           <a:p>
             <a:pPr lvl="1"/>
             <a:r>
-              <a:rPr lang="en-US" smtClean="0"/>
+              <a:rPr lang="en-US"/>
               <a:t>Second level</a:t>
             </a:r>
           </a:p>
           <a:p>
             <a:pPr lvl="2"/>
             <a:r>
-              <a:rPr lang="en-US" smtClean="0"/>
+              <a:rPr lang="en-US"/>
               <a:t>Third level</a:t>
             </a:r>
           </a:p>
           <a:p>
             <a:pPr lvl="3"/>
             <a:r>
-              <a:rPr lang="en-US" smtClean="0"/>
+              <a:rPr lang="en-US"/>
               <a:t>Fourth level</a:t>
             </a:r>
           </a:p>
           <a:p>
             <a:pPr lvl="4"/>
             <a:r>
-              <a:rPr lang="en-US" smtClean="0"/>
+              <a:rPr lang="en-US"/>
               <a:t>Fifth level</a:t>
             </a:r>
-            <a:endParaRPr lang="en-US"/>
           </a:p>
         </p:txBody>
       </p:sp>
@@ -823,7 +838,7 @@
             <a:fld id="{1D8BD707-D9CF-40AE-B4C6-C98DA3205C09}" type="datetimeFigureOut">
               <a:rPr lang="en-US" smtClean="0"/>
               <a:pPr/>
-              <a:t>8/1/2011</a:t>
+              <a:t>03/14/2025</a:t>
             </a:fld>
             <a:endParaRPr lang="en-US"/>
           </a:p>
@@ -922,10 +937,9 @@
           </a:lstStyle>
           <a:p>
             <a:r>
-              <a:rPr lang="en-US" smtClean="0"/>
+              <a:rPr lang="en-US"/>
               <a:t>Click to edit Master title style</a:t>
             </a:r>
-            <a:endParaRPr lang="en-US"/>
           </a:p>
         </p:txBody>
       </p:sp>
@@ -1042,7 +1056,7 @@
           <a:p>
             <a:pPr lvl="0"/>
             <a:r>
-              <a:rPr lang="en-US" smtClean="0"/>
+              <a:rPr lang="en-US"/>
               <a:t>Click to edit Master text styles</a:t>
             </a:r>
           </a:p>
@@ -1066,7 +1080,7 @@
             <a:fld id="{1D8BD707-D9CF-40AE-B4C6-C98DA3205C09}" type="datetimeFigureOut">
               <a:rPr lang="en-US" smtClean="0"/>
               <a:pPr/>
-              <a:t>8/1/2011</a:t>
+              <a:t>03/14/2025</a:t>
             </a:fld>
             <a:endParaRPr lang="en-US"/>
           </a:p>
@@ -1156,10 +1170,9 @@
           <a:lstStyle/>
           <a:p>
             <a:r>
-              <a:rPr lang="en-US" smtClean="0"/>
+              <a:rPr lang="en-US"/>
               <a:t>Click to edit Master title style</a:t>
             </a:r>
-            <a:endParaRPr lang="en-US"/>
           </a:p>
         </p:txBody>
       </p:sp>
@@ -1213,38 +1226,37 @@
           <a:p>
             <a:pPr lvl="0"/>
             <a:r>
-              <a:rPr lang="en-US" smtClean="0"/>
+              <a:rPr lang="en-US"/>
               <a:t>Click to edit Master text styles</a:t>
             </a:r>
           </a:p>
           <a:p>
             <a:pPr lvl="1"/>
             <a:r>
-              <a:rPr lang="en-US" smtClean="0"/>
+              <a:rPr lang="en-US"/>
               <a:t>Second level</a:t>
             </a:r>
           </a:p>
           <a:p>
             <a:pPr lvl="2"/>
             <a:r>
-              <a:rPr lang="en-US" smtClean="0"/>
+              <a:rPr lang="en-US"/>
               <a:t>Third level</a:t>
             </a:r>
           </a:p>
           <a:p>
             <a:pPr lvl="3"/>
             <a:r>
-              <a:rPr lang="en-US" smtClean="0"/>
+              <a:rPr lang="en-US"/>
               <a:t>Fourth level</a:t>
             </a:r>
           </a:p>
           <a:p>
             <a:pPr lvl="4"/>
             <a:r>
-              <a:rPr lang="en-US" smtClean="0"/>
+              <a:rPr lang="en-US"/>
               <a:t>Fifth level</a:t>
             </a:r>
-            <a:endParaRPr lang="en-US"/>
           </a:p>
         </p:txBody>
       </p:sp>
@@ -1298,38 +1310,37 @@
           <a:p>
             <a:pPr lvl="0"/>
             <a:r>
-              <a:rPr lang="en-US" smtClean="0"/>
+              <a:rPr lang="en-US"/>
               <a:t>Click to edit Master text styles</a:t>
             </a:r>
           </a:p>
           <a:p>
             <a:pPr lvl="1"/>
             <a:r>
-              <a:rPr lang="en-US" smtClean="0"/>
+              <a:rPr lang="en-US"/>
               <a:t>Second level</a:t>
             </a:r>
           </a:p>
           <a:p>
             <a:pPr lvl="2"/>
             <a:r>
-              <a:rPr lang="en-US" smtClean="0"/>
+              <a:rPr lang="en-US"/>
               <a:t>Third level</a:t>
             </a:r>
           </a:p>
           <a:p>
             <a:pPr lvl="3"/>
             <a:r>
-              <a:rPr lang="en-US" smtClean="0"/>
+              <a:rPr lang="en-US"/>
               <a:t>Fourth level</a:t>
             </a:r>
           </a:p>
           <a:p>
             <a:pPr lvl="4"/>
             <a:r>
-              <a:rPr lang="en-US" smtClean="0"/>
+              <a:rPr lang="en-US"/>
               <a:t>Fifth level</a:t>
             </a:r>
-            <a:endParaRPr lang="en-US"/>
           </a:p>
         </p:txBody>
       </p:sp>
@@ -1351,7 +1362,7 @@
             <a:fld id="{1D8BD707-D9CF-40AE-B4C6-C98DA3205C09}" type="datetimeFigureOut">
               <a:rPr lang="en-US" smtClean="0"/>
               <a:pPr/>
-              <a:t>8/1/2011</a:t>
+              <a:t>03/14/2025</a:t>
             </a:fld>
             <a:endParaRPr lang="en-US"/>
           </a:p>
@@ -1445,10 +1456,9 @@
           </a:lstStyle>
           <a:p>
             <a:r>
-              <a:rPr lang="en-US" smtClean="0"/>
+              <a:rPr lang="en-US"/>
               <a:t>Click to edit Master title style</a:t>
             </a:r>
-            <a:endParaRPr lang="en-US"/>
           </a:p>
         </p:txBody>
       </p:sp>
@@ -1511,7 +1521,7 @@
           <a:p>
             <a:pPr lvl="0"/>
             <a:r>
-              <a:rPr lang="en-US" smtClean="0"/>
+              <a:rPr lang="en-US"/>
               <a:t>Click to edit Master text styles</a:t>
             </a:r>
           </a:p>
@@ -1567,38 +1577,37 @@
           <a:p>
             <a:pPr lvl="0"/>
             <a:r>
-              <a:rPr lang="en-US" smtClean="0"/>
+              <a:rPr lang="en-US"/>
               <a:t>Click to edit Master text styles</a:t>
             </a:r>
           </a:p>
           <a:p>
             <a:pPr lvl="1"/>
             <a:r>
-              <a:rPr lang="en-US" smtClean="0"/>
+              <a:rPr lang="en-US"/>
               <a:t>Second level</a:t>
             </a:r>
           </a:p>
           <a:p>
             <a:pPr lvl="2"/>
             <a:r>
-              <a:rPr lang="en-US" smtClean="0"/>
+              <a:rPr lang="en-US"/>
               <a:t>Third level</a:t>
             </a:r>
           </a:p>
           <a:p>
             <a:pPr lvl="3"/>
             <a:r>
-              <a:rPr lang="en-US" smtClean="0"/>
+              <a:rPr lang="en-US"/>
               <a:t>Fourth level</a:t>
             </a:r>
           </a:p>
           <a:p>
             <a:pPr lvl="4"/>
             <a:r>
-              <a:rPr lang="en-US" smtClean="0"/>
+              <a:rPr lang="en-US"/>
               <a:t>Fifth level</a:t>
             </a:r>
-            <a:endParaRPr lang="en-US"/>
           </a:p>
         </p:txBody>
       </p:sp>
@@ -1661,7 +1670,7 @@
           <a:p>
             <a:pPr lvl="0"/>
             <a:r>
-              <a:rPr lang="en-US" smtClean="0"/>
+              <a:rPr lang="en-US"/>
               <a:t>Click to edit Master text styles</a:t>
             </a:r>
           </a:p>
@@ -1717,38 +1726,37 @@
           <a:p>
             <a:pPr lvl="0"/>
             <a:r>
-              <a:rPr lang="en-US" smtClean="0"/>
+              <a:rPr lang="en-US"/>
               <a:t>Click to edit Master text styles</a:t>
             </a:r>
           </a:p>
           <a:p>
             <a:pPr lvl="1"/>
             <a:r>
-              <a:rPr lang="en-US" smtClean="0"/>
+              <a:rPr lang="en-US"/>
               <a:t>Second level</a:t>
             </a:r>
           </a:p>
           <a:p>
             <a:pPr lvl="2"/>
             <a:r>
-              <a:rPr lang="en-US" smtClean="0"/>
+              <a:rPr lang="en-US"/>
               <a:t>Third level</a:t>
             </a:r>
           </a:p>
           <a:p>
             <a:pPr lvl="3"/>
             <a:r>
-              <a:rPr lang="en-US" smtClean="0"/>
+              <a:rPr lang="en-US"/>
               <a:t>Fourth level</a:t>
             </a:r>
           </a:p>
           <a:p>
             <a:pPr lvl="4"/>
             <a:r>
-              <a:rPr lang="en-US" smtClean="0"/>
+              <a:rPr lang="en-US"/>
               <a:t>Fifth level</a:t>
             </a:r>
-            <a:endParaRPr lang="en-US"/>
           </a:p>
         </p:txBody>
       </p:sp>
@@ -1770,7 +1778,7 @@
             <a:fld id="{1D8BD707-D9CF-40AE-B4C6-C98DA3205C09}" type="datetimeFigureOut">
               <a:rPr lang="en-US" smtClean="0"/>
               <a:pPr/>
-              <a:t>8/1/2011</a:t>
+              <a:t>03/14/2025</a:t>
             </a:fld>
             <a:endParaRPr lang="en-US"/>
           </a:p>
@@ -1860,10 +1868,9 @@
           <a:lstStyle/>
           <a:p>
             <a:r>
-              <a:rPr lang="en-US" smtClean="0"/>
+              <a:rPr lang="en-US"/>
               <a:t>Click to edit Master title style</a:t>
             </a:r>
-            <a:endParaRPr lang="en-US"/>
           </a:p>
         </p:txBody>
       </p:sp>
@@ -1885,7 +1892,7 @@
             <a:fld id="{1D8BD707-D9CF-40AE-B4C6-C98DA3205C09}" type="datetimeFigureOut">
               <a:rPr lang="en-US" smtClean="0"/>
               <a:pPr/>
-              <a:t>8/1/2011</a:t>
+              <a:t>03/14/2025</a:t>
             </a:fld>
             <a:endParaRPr lang="en-US"/>
           </a:p>
@@ -1977,7 +1984,7 @@
             <a:fld id="{1D8BD707-D9CF-40AE-B4C6-C98DA3205C09}" type="datetimeFigureOut">
               <a:rPr lang="en-US" smtClean="0"/>
               <a:pPr/>
-              <a:t>8/1/2011</a:t>
+              <a:t>03/14/2025</a:t>
             </a:fld>
             <a:endParaRPr lang="en-US"/>
           </a:p>
@@ -2076,10 +2083,9 @@
           </a:lstStyle>
           <a:p>
             <a:r>
-              <a:rPr lang="en-US" smtClean="0"/>
+              <a:rPr lang="en-US"/>
               <a:t>Click to edit Master title style</a:t>
             </a:r>
-            <a:endParaRPr lang="en-US"/>
           </a:p>
         </p:txBody>
       </p:sp>
@@ -2133,38 +2139,37 @@
           <a:p>
             <a:pPr lvl="0"/>
             <a:r>
-              <a:rPr lang="en-US" smtClean="0"/>
+              <a:rPr lang="en-US"/>
               <a:t>Click to edit Master text styles</a:t>
             </a:r>
           </a:p>
           <a:p>
             <a:pPr lvl="1"/>
             <a:r>
-              <a:rPr lang="en-US" smtClean="0"/>
+              <a:rPr lang="en-US"/>
               <a:t>Second level</a:t>
             </a:r>
           </a:p>
           <a:p>
             <a:pPr lvl="2"/>
             <a:r>
-              <a:rPr lang="en-US" smtClean="0"/>
+              <a:rPr lang="en-US"/>
               <a:t>Third level</a:t>
             </a:r>
           </a:p>
           <a:p>
             <a:pPr lvl="3"/>
             <a:r>
-              <a:rPr lang="en-US" smtClean="0"/>
+              <a:rPr lang="en-US"/>
               <a:t>Fourth level</a:t>
             </a:r>
           </a:p>
           <a:p>
             <a:pPr lvl="4"/>
             <a:r>
-              <a:rPr lang="en-US" smtClean="0"/>
+              <a:rPr lang="en-US"/>
               <a:t>Fifth level</a:t>
             </a:r>
-            <a:endParaRPr lang="en-US"/>
           </a:p>
         </p:txBody>
       </p:sp>
@@ -2227,7 +2232,7 @@
           <a:p>
             <a:pPr lvl="0"/>
             <a:r>
-              <a:rPr lang="en-US" smtClean="0"/>
+              <a:rPr lang="en-US"/>
               <a:t>Click to edit Master text styles</a:t>
             </a:r>
           </a:p>
@@ -2251,7 +2256,7 @@
             <a:fld id="{1D8BD707-D9CF-40AE-B4C6-C98DA3205C09}" type="datetimeFigureOut">
               <a:rPr lang="en-US" smtClean="0"/>
               <a:pPr/>
-              <a:t>8/1/2011</a:t>
+              <a:t>03/14/2025</a:t>
             </a:fld>
             <a:endParaRPr lang="en-US"/>
           </a:p>
@@ -2350,10 +2355,9 @@
           </a:lstStyle>
           <a:p>
             <a:r>
-              <a:rPr lang="en-US" smtClean="0"/>
+              <a:rPr lang="en-US"/>
               <a:t>Click to edit Master title style</a:t>
             </a:r>
-            <a:endParaRPr lang="en-US"/>
           </a:p>
         </p:txBody>
       </p:sp>
@@ -2477,7 +2481,7 @@
           <a:p>
             <a:pPr lvl="0"/>
             <a:r>
-              <a:rPr lang="en-US" smtClean="0"/>
+              <a:rPr lang="en-US"/>
               <a:t>Click to edit Master text styles</a:t>
             </a:r>
           </a:p>
@@ -2501,7 +2505,7 @@
             <a:fld id="{1D8BD707-D9CF-40AE-B4C6-C98DA3205C09}" type="datetimeFigureOut">
               <a:rPr lang="en-US" smtClean="0"/>
               <a:pPr/>
-              <a:t>8/1/2011</a:t>
+              <a:t>03/14/2025</a:t>
             </a:fld>
             <a:endParaRPr lang="en-US"/>
           </a:p>
@@ -2606,10 +2610,9 @@
           <a:lstStyle/>
           <a:p>
             <a:r>
-              <a:rPr lang="en-US" smtClean="0"/>
+              <a:rPr lang="en-US"/>
               <a:t>Click to edit Master title style</a:t>
             </a:r>
-            <a:endParaRPr lang="en-US"/>
           </a:p>
         </p:txBody>
       </p:sp>
@@ -2640,38 +2643,37 @@
           <a:p>
             <a:pPr lvl="0"/>
             <a:r>
-              <a:rPr lang="en-US" smtClean="0"/>
+              <a:rPr lang="en-US"/>
               <a:t>Click to edit Master text styles</a:t>
             </a:r>
           </a:p>
           <a:p>
             <a:pPr lvl="1"/>
             <a:r>
-              <a:rPr lang="en-US" smtClean="0"/>
+              <a:rPr lang="en-US"/>
               <a:t>Second level</a:t>
             </a:r>
           </a:p>
           <a:p>
             <a:pPr lvl="2"/>
             <a:r>
-              <a:rPr lang="en-US" smtClean="0"/>
+              <a:rPr lang="en-US"/>
               <a:t>Third level</a:t>
             </a:r>
           </a:p>
           <a:p>
             <a:pPr lvl="3"/>
             <a:r>
-              <a:rPr lang="en-US" smtClean="0"/>
+              <a:rPr lang="en-US"/>
               <a:t>Fourth level</a:t>
             </a:r>
           </a:p>
           <a:p>
             <a:pPr lvl="4"/>
             <a:r>
-              <a:rPr lang="en-US" smtClean="0"/>
+              <a:rPr lang="en-US"/>
               <a:t>Fifth level</a:t>
             </a:r>
-            <a:endParaRPr lang="en-US"/>
           </a:p>
         </p:txBody>
       </p:sp>
@@ -2711,7 +2713,7 @@
             <a:fld id="{1D8BD707-D9CF-40AE-B4C6-C98DA3205C09}" type="datetimeFigureOut">
               <a:rPr lang="en-US" smtClean="0"/>
               <a:pPr/>
-              <a:t>8/1/2011</a:t>
+              <a:t>03/14/2025</a:t>
             </a:fld>
             <a:endParaRPr lang="en-US"/>
           </a:p>
@@ -3066,13 +3068,14 @@
 </file>
 
 <file path=ppt/slides/slide1.xml><?xml version="1.0" encoding="utf-8"?>
-<p:sld xmlns:p="http://schemas.openxmlformats.org/presentationml/2006/main" xmlns:a="http://schemas.openxmlformats.org/drawingml/2006/main" xmlns:r="http://schemas.openxmlformats.org/officeDocument/2006/relationships">
+<p:sld xmlns:a="http://schemas.openxmlformats.org/drawingml/2006/main" xmlns:r="http://schemas.openxmlformats.org/officeDocument/2006/relationships" xmlns:p="http://schemas.openxmlformats.org/presentationml/2006/main">
   <p:cSld>
     <p:bg>
       <p:bgPr>
         <a:solidFill>
           <a:srgbClr val="F8F8F8"/>
         </a:solidFill>
+        <a:effectLst/>
       </p:bgPr>
     </p:bg>
     <p:spTree>
@@ -3091,7 +3094,7 @@
       </p:grpSpPr>
       <p:sp>
         <p:nvSpPr>
-          <p:cNvPr name="AutoShape 2" id="2"/>
+          <p:cNvPr id="2" name="AutoShape 2"/>
           <p:cNvSpPr/>
           <p:nvPr/>
         </p:nvSpPr>
@@ -3103,19 +3106,19 @@
           <a:prstGeom prst="line">
             <a:avLst/>
           </a:prstGeom>
-          <a:ln cap="flat" w="76200">
+          <a:ln w="76200" cap="flat">
             <a:solidFill>
               <a:srgbClr val="0F4662"/>
             </a:solidFill>
             <a:prstDash val="solid"/>
-            <a:headEnd type="none" len="sm" w="sm"/>
-            <a:tailEnd type="none" len="sm" w="sm"/>
+            <a:headEnd type="none" w="sm" len="sm"/>
+            <a:tailEnd type="none" w="sm" len="sm"/>
           </a:ln>
         </p:spPr>
       </p:sp>
       <p:sp>
         <p:nvSpPr>
-          <p:cNvPr name="AutoShape 3" id="3"/>
+          <p:cNvPr id="3" name="AutoShape 3"/>
           <p:cNvSpPr/>
           <p:nvPr/>
         </p:nvSpPr>
@@ -3127,24 +3130,24 @@
           <a:prstGeom prst="line">
             <a:avLst/>
           </a:prstGeom>
-          <a:ln cap="flat" w="76200">
+          <a:ln w="76200" cap="flat">
             <a:solidFill>
               <a:srgbClr val="0F4662"/>
             </a:solidFill>
             <a:prstDash val="solid"/>
-            <a:headEnd type="none" len="sm" w="sm"/>
-            <a:tailEnd type="none" len="sm" w="sm"/>
+            <a:headEnd type="none" w="sm" len="sm"/>
+            <a:tailEnd type="none" w="sm" len="sm"/>
           </a:ln>
         </p:spPr>
       </p:sp>
       <p:sp>
         <p:nvSpPr>
-          <p:cNvPr name="Freeform 4" id="4"/>
+          <p:cNvPr id="4" name="Freeform 4"/>
           <p:cNvSpPr/>
           <p:nvPr/>
         </p:nvSpPr>
         <p:spPr>
-          <a:xfrm flipH="false" flipV="false" rot="0">
+          <a:xfrm>
             <a:off x="9618706" y="9037492"/>
             <a:ext cx="2968854" cy="441617"/>
           </a:xfrm>
@@ -3153,9 +3156,9 @@
             <a:gdLst/>
             <a:ahLst/>
             <a:cxnLst/>
-            <a:rect r="r" b="b" t="t" l="l"/>
+            <a:rect l="l" t="t" r="r" b="b"/>
             <a:pathLst>
-              <a:path h="441617" w="2968854">
+              <a:path w="2968854" h="441617">
                 <a:moveTo>
                   <a:pt x="0" y="0"/>
                 </a:moveTo>
@@ -3184,19 +3187,19 @@
               </a:extLst>
             </a:blip>
             <a:stretch>
-              <a:fillRect l="0" t="0" r="0" b="0"/>
+              <a:fillRect/>
             </a:stretch>
           </a:blipFill>
         </p:spPr>
       </p:sp>
       <p:sp>
         <p:nvSpPr>
-          <p:cNvPr name="Freeform 5" id="5"/>
+          <p:cNvPr id="5" name="Freeform 5"/>
           <p:cNvSpPr/>
           <p:nvPr/>
         </p:nvSpPr>
         <p:spPr>
-          <a:xfrm flipH="false" flipV="false" rot="0">
+          <a:xfrm>
             <a:off x="5497924" y="587083"/>
             <a:ext cx="2968854" cy="441617"/>
           </a:xfrm>
@@ -3205,9 +3208,9 @@
             <a:gdLst/>
             <a:ahLst/>
             <a:cxnLst/>
-            <a:rect r="r" b="b" t="t" l="l"/>
+            <a:rect l="l" t="t" r="r" b="b"/>
             <a:pathLst>
-              <a:path h="441617" w="2968854">
+              <a:path w="2968854" h="441617">
                 <a:moveTo>
                   <a:pt x="0" y="0"/>
                 </a:moveTo>
@@ -3236,19 +3239,19 @@
               </a:extLst>
             </a:blip>
             <a:stretch>
-              <a:fillRect l="0" t="0" r="0" b="0"/>
+              <a:fillRect/>
             </a:stretch>
           </a:blipFill>
         </p:spPr>
       </p:sp>
       <p:sp>
         <p:nvSpPr>
-          <p:cNvPr name="Freeform 6" id="6"/>
+          <p:cNvPr id="6" name="Freeform 6"/>
           <p:cNvSpPr/>
           <p:nvPr/>
         </p:nvSpPr>
         <p:spPr>
-          <a:xfrm flipH="false" flipV="false" rot="0">
+          <a:xfrm>
             <a:off x="1096682" y="7477829"/>
             <a:ext cx="2344590" cy="1559662"/>
           </a:xfrm>
@@ -3257,9 +3260,9 @@
             <a:gdLst/>
             <a:ahLst/>
             <a:cxnLst/>
-            <a:rect r="r" b="b" t="t" l="l"/>
+            <a:rect l="l" t="t" r="r" b="b"/>
             <a:pathLst>
-              <a:path h="1559662" w="2344590">
+              <a:path w="2344590" h="1559662">
                 <a:moveTo>
                   <a:pt x="0" y="0"/>
                 </a:moveTo>
@@ -3282,19 +3285,19 @@
           <a:blipFill>
             <a:blip r:embed="rId4"/>
             <a:stretch>
-              <a:fillRect l="0" t="0" r="0" b="0"/>
+              <a:fillRect/>
             </a:stretch>
           </a:blipFill>
         </p:spPr>
       </p:sp>
       <p:sp>
         <p:nvSpPr>
-          <p:cNvPr name="TextBox 7" id="7"/>
-          <p:cNvSpPr txBox="true"/>
-          <p:nvPr/>
-        </p:nvSpPr>
-        <p:spPr>
-          <a:xfrm rot="0">
+          <p:cNvPr id="7" name="TextBox 7"/>
+          <p:cNvSpPr txBox="1"/>
+          <p:nvPr/>
+        </p:nvSpPr>
+        <p:spPr>
+          <a:xfrm>
             <a:off x="615913" y="2150826"/>
             <a:ext cx="16229942" cy="3479801"/>
           </a:xfrm>
@@ -3303,12 +3306,12 @@
           </a:prstGeom>
         </p:spPr>
         <p:txBody>
-          <a:bodyPr anchor="t" rtlCol="false" tIns="0" lIns="0" bIns="0" rIns="0">
+          <a:bodyPr lIns="0" tIns="0" rIns="0" bIns="0" rtlCol="0" anchor="t">
             <a:spAutoFit/>
           </a:bodyPr>
           <a:lstStyle/>
           <a:p>
-            <a:pPr algn="ctr" marL="0" indent="0" lvl="0">
+            <a:pPr marL="0" lvl="0" indent="0" algn="ctr">
               <a:lnSpc>
                 <a:spcPts val="13999"/>
               </a:lnSpc>
@@ -3317,7 +3320,7 @@
               </a:spcBef>
             </a:pPr>
             <a:r>
-              <a:rPr lang="en-US" b="true" sz="9999" i="true">
+              <a:rPr lang="en-US" sz="9999" b="1" i="1">
                 <a:solidFill>
                   <a:srgbClr val="0F4662"/>
                 </a:solidFill>
@@ -3333,12 +3336,12 @@
       </p:sp>
       <p:sp>
         <p:nvSpPr>
-          <p:cNvPr name="TextBox 8" id="8"/>
-          <p:cNvSpPr txBox="true"/>
-          <p:nvPr/>
-        </p:nvSpPr>
-        <p:spPr>
-          <a:xfrm rot="0">
+          <p:cNvPr id="8" name="TextBox 8"/>
+          <p:cNvSpPr txBox="1"/>
+          <p:nvPr/>
+        </p:nvSpPr>
+        <p:spPr>
+          <a:xfrm>
             <a:off x="1743651" y="5792551"/>
             <a:ext cx="3395242" cy="604144"/>
           </a:xfrm>
@@ -3347,12 +3350,12 @@
           </a:prstGeom>
         </p:spPr>
         <p:txBody>
-          <a:bodyPr anchor="t" rtlCol="false" tIns="0" lIns="0" bIns="0" rIns="0">
+          <a:bodyPr lIns="0" tIns="0" rIns="0" bIns="0" rtlCol="0" anchor="t">
             <a:spAutoFit/>
           </a:bodyPr>
           <a:lstStyle/>
           <a:p>
-            <a:pPr algn="ctr" marL="0" indent="0" lvl="0">
+            <a:pPr marL="0" lvl="0" indent="0" algn="ctr">
               <a:lnSpc>
                 <a:spcPts val="5041"/>
               </a:lnSpc>
@@ -3377,12 +3380,12 @@
       </p:sp>
       <p:sp>
         <p:nvSpPr>
-          <p:cNvPr name="TextBox 9" id="9"/>
-          <p:cNvSpPr txBox="true"/>
-          <p:nvPr/>
-        </p:nvSpPr>
-        <p:spPr>
-          <a:xfrm rot="0">
+          <p:cNvPr id="9" name="TextBox 9"/>
+          <p:cNvSpPr txBox="1"/>
+          <p:nvPr/>
+        </p:nvSpPr>
+        <p:spPr>
+          <a:xfrm>
             <a:off x="14682880" y="8953197"/>
             <a:ext cx="2728592" cy="525912"/>
           </a:xfrm>
@@ -3391,12 +3394,12 @@
           </a:prstGeom>
         </p:spPr>
         <p:txBody>
-          <a:bodyPr anchor="t" rtlCol="false" tIns="0" lIns="0" bIns="0" rIns="0">
+          <a:bodyPr lIns="0" tIns="0" rIns="0" bIns="0" rtlCol="0" anchor="t">
             <a:spAutoFit/>
           </a:bodyPr>
           <a:lstStyle/>
           <a:p>
-            <a:pPr algn="ctr" marL="0" indent="0" lvl="0">
+            <a:pPr marL="0" lvl="0" indent="0" algn="ctr">
               <a:lnSpc>
                 <a:spcPts val="4397"/>
               </a:lnSpc>
@@ -3421,12 +3424,12 @@
       </p:sp>
       <p:sp>
         <p:nvSpPr>
-          <p:cNvPr name="TextBox 10" id="10"/>
-          <p:cNvSpPr txBox="true"/>
-          <p:nvPr/>
-        </p:nvSpPr>
-        <p:spPr>
-          <a:xfrm rot="0">
+          <p:cNvPr id="10" name="TextBox 10"/>
+          <p:cNvSpPr txBox="1"/>
+          <p:nvPr/>
+        </p:nvSpPr>
+        <p:spPr>
+          <a:xfrm>
             <a:off x="6998649" y="1190220"/>
             <a:ext cx="2936258" cy="894336"/>
           </a:xfrm>
@@ -3435,12 +3438,12 @@
           </a:prstGeom>
         </p:spPr>
         <p:txBody>
-          <a:bodyPr anchor="t" rtlCol="false" tIns="0" lIns="0" bIns="0" rIns="0">
+          <a:bodyPr lIns="0" tIns="0" rIns="0" bIns="0" rtlCol="0" anchor="t">
             <a:spAutoFit/>
           </a:bodyPr>
           <a:lstStyle/>
           <a:p>
-            <a:pPr algn="ctr" marL="0" indent="0" lvl="0">
+            <a:pPr marL="0" lvl="0" indent="0" algn="ctr">
               <a:lnSpc>
                 <a:spcPts val="7435"/>
               </a:lnSpc>
@@ -3472,13 +3475,14 @@
 </file>
 
 <file path=ppt/slides/slide10.xml><?xml version="1.0" encoding="utf-8"?>
-<p:sld xmlns:p="http://schemas.openxmlformats.org/presentationml/2006/main" xmlns:a="http://schemas.openxmlformats.org/drawingml/2006/main" xmlns:r="http://schemas.openxmlformats.org/officeDocument/2006/relationships">
+<p:sld xmlns:a="http://schemas.openxmlformats.org/drawingml/2006/main" xmlns:r="http://schemas.openxmlformats.org/officeDocument/2006/relationships" xmlns:p="http://schemas.openxmlformats.org/presentationml/2006/main">
   <p:cSld>
     <p:bg>
       <p:bgPr>
         <a:solidFill>
           <a:srgbClr val="F8F8F8"/>
         </a:solidFill>
+        <a:effectLst/>
       </p:bgPr>
     </p:bg>
     <p:spTree>
@@ -3497,12 +3501,12 @@
       </p:grpSpPr>
       <p:sp>
         <p:nvSpPr>
-          <p:cNvPr name="TextBox 2" id="2"/>
-          <p:cNvSpPr txBox="true"/>
-          <p:nvPr/>
-        </p:nvSpPr>
-        <p:spPr>
-          <a:xfrm rot="0">
+          <p:cNvPr id="2" name="TextBox 2"/>
+          <p:cNvSpPr txBox="1"/>
+          <p:nvPr/>
+        </p:nvSpPr>
+        <p:spPr>
+          <a:xfrm>
             <a:off x="3442710" y="3369664"/>
             <a:ext cx="11402580" cy="3185722"/>
           </a:xfrm>
@@ -3511,12 +3515,12 @@
           </a:prstGeom>
         </p:spPr>
         <p:txBody>
-          <a:bodyPr anchor="t" rtlCol="false" tIns="0" lIns="0" bIns="0" rIns="0">
+          <a:bodyPr lIns="0" tIns="0" rIns="0" bIns="0" rtlCol="0" anchor="t">
             <a:spAutoFit/>
           </a:bodyPr>
           <a:lstStyle/>
           <a:p>
-            <a:pPr algn="ctr" marL="0" indent="0" lvl="0">
+            <a:pPr marL="0" lvl="0" indent="0" algn="ctr">
               <a:lnSpc>
                 <a:spcPts val="26009"/>
               </a:lnSpc>
@@ -3525,7 +3529,7 @@
               </a:spcBef>
             </a:pPr>
             <a:r>
-              <a:rPr lang="en-US" b="true" sz="18577" i="true">
+              <a:rPr lang="en-US" sz="18577" b="1" i="1">
                 <a:solidFill>
                   <a:srgbClr val="0F4662"/>
                 </a:solidFill>
@@ -3541,7 +3545,7 @@
       </p:sp>
       <p:sp>
         <p:nvSpPr>
-          <p:cNvPr name="AutoShape 3" id="3"/>
+          <p:cNvPr id="3" name="AutoShape 3"/>
           <p:cNvSpPr/>
           <p:nvPr/>
         </p:nvSpPr>
@@ -3553,24 +3557,24 @@
           <a:prstGeom prst="line">
             <a:avLst/>
           </a:prstGeom>
-          <a:ln cap="flat" w="76200">
+          <a:ln w="76200" cap="flat">
             <a:solidFill>
               <a:srgbClr val="0F4662"/>
             </a:solidFill>
             <a:prstDash val="solid"/>
-            <a:headEnd type="none" len="sm" w="sm"/>
-            <a:tailEnd type="none" len="sm" w="sm"/>
+            <a:headEnd type="none" w="sm" len="sm"/>
+            <a:tailEnd type="none" w="sm" len="sm"/>
           </a:ln>
         </p:spPr>
       </p:sp>
       <p:sp>
         <p:nvSpPr>
-          <p:cNvPr name="Freeform 4" id="4"/>
+          <p:cNvPr id="4" name="Freeform 4"/>
           <p:cNvSpPr/>
           <p:nvPr/>
         </p:nvSpPr>
         <p:spPr>
-          <a:xfrm flipH="false" flipV="false" rot="0">
+          <a:xfrm>
             <a:off x="8304001" y="1116666"/>
             <a:ext cx="1679997" cy="249900"/>
           </a:xfrm>
@@ -3579,9 +3583,9 @@
             <a:gdLst/>
             <a:ahLst/>
             <a:cxnLst/>
-            <a:rect r="r" b="b" t="t" l="l"/>
+            <a:rect l="l" t="t" r="r" b="b"/>
             <a:pathLst>
-              <a:path h="249900" w="1679997">
+              <a:path w="1679997" h="249900">
                 <a:moveTo>
                   <a:pt x="0" y="0"/>
                 </a:moveTo>
@@ -3610,14 +3614,14 @@
               </a:extLst>
             </a:blip>
             <a:stretch>
-              <a:fillRect l="0" t="0" r="0" b="0"/>
+              <a:fillRect/>
             </a:stretch>
           </a:blipFill>
         </p:spPr>
       </p:sp>
       <p:sp>
         <p:nvSpPr>
-          <p:cNvPr name="AutoShape 5" id="5"/>
+          <p:cNvPr id="5" name="AutoShape 5"/>
           <p:cNvSpPr/>
           <p:nvPr/>
         </p:nvSpPr>
@@ -3629,24 +3633,24 @@
           <a:prstGeom prst="line">
             <a:avLst/>
           </a:prstGeom>
-          <a:ln cap="flat" w="76200">
+          <a:ln w="76200" cap="flat">
             <a:solidFill>
               <a:srgbClr val="0F4662"/>
             </a:solidFill>
             <a:prstDash val="solid"/>
-            <a:headEnd type="none" len="sm" w="sm"/>
-            <a:tailEnd type="none" len="sm" w="sm"/>
+            <a:headEnd type="none" w="sm" len="sm"/>
+            <a:tailEnd type="none" w="sm" len="sm"/>
           </a:ln>
         </p:spPr>
       </p:sp>
       <p:sp>
         <p:nvSpPr>
-          <p:cNvPr name="Freeform 6" id="6"/>
+          <p:cNvPr id="6" name="Freeform 6"/>
           <p:cNvSpPr/>
           <p:nvPr/>
         </p:nvSpPr>
         <p:spPr>
-          <a:xfrm flipH="false" flipV="false" rot="0">
+          <a:xfrm>
             <a:off x="8304001" y="9008400"/>
             <a:ext cx="1679997" cy="249900"/>
           </a:xfrm>
@@ -3655,9 +3659,9 @@
             <a:gdLst/>
             <a:ahLst/>
             <a:cxnLst/>
-            <a:rect r="r" b="b" t="t" l="l"/>
+            <a:rect l="l" t="t" r="r" b="b"/>
             <a:pathLst>
-              <a:path h="249900" w="1679997">
+              <a:path w="1679997" h="249900">
                 <a:moveTo>
                   <a:pt x="0" y="0"/>
                 </a:moveTo>
@@ -3686,7 +3690,7 @@
               </a:extLst>
             </a:blip>
             <a:stretch>
-              <a:fillRect l="0" t="0" r="0" b="0"/>
+              <a:fillRect/>
             </a:stretch>
           </a:blipFill>
         </p:spPr>
@@ -3700,13 +3704,14 @@
 </file>
 
 <file path=ppt/slides/slide2.xml><?xml version="1.0" encoding="utf-8"?>
-<p:sld xmlns:p="http://schemas.openxmlformats.org/presentationml/2006/main" xmlns:a="http://schemas.openxmlformats.org/drawingml/2006/main" xmlns:r="http://schemas.openxmlformats.org/officeDocument/2006/relationships">
+<p:sld xmlns:a="http://schemas.openxmlformats.org/drawingml/2006/main" xmlns:r="http://schemas.openxmlformats.org/officeDocument/2006/relationships" xmlns:p="http://schemas.openxmlformats.org/presentationml/2006/main">
   <p:cSld>
     <p:bg>
       <p:bgPr>
         <a:solidFill>
           <a:srgbClr val="F8F8F8"/>
         </a:solidFill>
+        <a:effectLst/>
       </p:bgPr>
     </p:bg>
     <p:spTree>
@@ -3725,7 +3730,7 @@
       </p:grpSpPr>
       <p:sp>
         <p:nvSpPr>
-          <p:cNvPr name="AutoShape 2" id="2"/>
+          <p:cNvPr id="2" name="AutoShape 2"/>
           <p:cNvSpPr/>
           <p:nvPr/>
         </p:nvSpPr>
@@ -3737,19 +3742,19 @@
           <a:prstGeom prst="line">
             <a:avLst/>
           </a:prstGeom>
-          <a:ln cap="flat" w="76200">
+          <a:ln w="76200" cap="flat">
             <a:solidFill>
               <a:srgbClr val="0F4662"/>
             </a:solidFill>
             <a:prstDash val="solid"/>
-            <a:headEnd type="none" len="sm" w="sm"/>
-            <a:tailEnd type="none" len="sm" w="sm"/>
+            <a:headEnd type="none" w="sm" len="sm"/>
+            <a:tailEnd type="none" w="sm" len="sm"/>
           </a:ln>
         </p:spPr>
       </p:sp>
       <p:sp>
         <p:nvSpPr>
-          <p:cNvPr name="AutoShape 3" id="3"/>
+          <p:cNvPr id="3" name="AutoShape 3"/>
           <p:cNvSpPr/>
           <p:nvPr/>
         </p:nvSpPr>
@@ -3761,24 +3766,24 @@
           <a:prstGeom prst="line">
             <a:avLst/>
           </a:prstGeom>
-          <a:ln cap="flat" w="76200">
+          <a:ln w="76200" cap="flat">
             <a:solidFill>
               <a:srgbClr val="0F4662"/>
             </a:solidFill>
             <a:prstDash val="solid"/>
-            <a:headEnd type="none" len="sm" w="sm"/>
-            <a:tailEnd type="none" len="sm" w="sm"/>
+            <a:headEnd type="none" w="sm" len="sm"/>
+            <a:tailEnd type="none" w="sm" len="sm"/>
           </a:ln>
         </p:spPr>
       </p:sp>
       <p:sp>
         <p:nvSpPr>
-          <p:cNvPr name="Freeform 4" id="4"/>
+          <p:cNvPr id="4" name="Freeform 4"/>
           <p:cNvSpPr/>
           <p:nvPr/>
         </p:nvSpPr>
         <p:spPr>
-          <a:xfrm flipH="false" flipV="false" rot="0">
+          <a:xfrm>
             <a:off x="4017063" y="973649"/>
             <a:ext cx="1679997" cy="249900"/>
           </a:xfrm>
@@ -3787,9 +3792,9 @@
             <a:gdLst/>
             <a:ahLst/>
             <a:cxnLst/>
-            <a:rect r="r" b="b" t="t" l="l"/>
+            <a:rect l="l" t="t" r="r" b="b"/>
             <a:pathLst>
-              <a:path h="249900" w="1679997">
+              <a:path w="1679997" h="249900">
                 <a:moveTo>
                   <a:pt x="0" y="0"/>
                 </a:moveTo>
@@ -3818,19 +3823,19 @@
               </a:extLst>
             </a:blip>
             <a:stretch>
-              <a:fillRect l="0" t="0" r="0" b="0"/>
+              <a:fillRect/>
             </a:stretch>
           </a:blipFill>
         </p:spPr>
       </p:sp>
       <p:sp>
         <p:nvSpPr>
-          <p:cNvPr name="TextBox 5" id="5"/>
-          <p:cNvSpPr txBox="true"/>
-          <p:nvPr/>
-        </p:nvSpPr>
-        <p:spPr>
-          <a:xfrm rot="0">
+          <p:cNvPr id="5" name="TextBox 5"/>
+          <p:cNvSpPr txBox="1"/>
+          <p:nvPr/>
+        </p:nvSpPr>
+        <p:spPr>
+          <a:xfrm>
             <a:off x="731065" y="373892"/>
             <a:ext cx="3285999" cy="1085215"/>
           </a:xfrm>
@@ -3839,12 +3844,12 @@
           </a:prstGeom>
         </p:spPr>
         <p:txBody>
-          <a:bodyPr anchor="t" rtlCol="false" tIns="0" lIns="0" bIns="0" rIns="0">
+          <a:bodyPr lIns="0" tIns="0" rIns="0" bIns="0" rtlCol="0" anchor="t">
             <a:spAutoFit/>
           </a:bodyPr>
           <a:lstStyle/>
           <a:p>
-            <a:pPr algn="l" marL="0" indent="0" lvl="0">
+            <a:pPr marL="0" lvl="0" indent="0" algn="l">
               <a:lnSpc>
                 <a:spcPts val="8959"/>
               </a:lnSpc>
@@ -3853,7 +3858,7 @@
               </a:spcBef>
             </a:pPr>
             <a:r>
-              <a:rPr lang="en-US" b="true" sz="6399" i="true">
+              <a:rPr lang="en-US" sz="6399" b="1" i="1">
                 <a:solidFill>
                   <a:srgbClr val="0F4662"/>
                 </a:solidFill>
@@ -3869,12 +3874,12 @@
       </p:sp>
       <p:sp>
         <p:nvSpPr>
-          <p:cNvPr name="Freeform 6" id="6"/>
+          <p:cNvPr id="6" name="Freeform 6"/>
           <p:cNvSpPr/>
           <p:nvPr/>
         </p:nvSpPr>
         <p:spPr>
-          <a:xfrm flipH="false" flipV="false" rot="0">
+          <a:xfrm>
             <a:off x="15416480" y="8800820"/>
             <a:ext cx="1679997" cy="249900"/>
           </a:xfrm>
@@ -3883,9 +3888,9 @@
             <a:gdLst/>
             <a:ahLst/>
             <a:cxnLst/>
-            <a:rect r="r" b="b" t="t" l="l"/>
+            <a:rect l="l" t="t" r="r" b="b"/>
             <a:pathLst>
-              <a:path h="249900" w="1679997">
+              <a:path w="1679997" h="249900">
                 <a:moveTo>
                   <a:pt x="0" y="0"/>
                 </a:moveTo>
@@ -3914,19 +3919,19 @@
               </a:extLst>
             </a:blip>
             <a:stretch>
-              <a:fillRect l="0" t="0" r="0" b="0"/>
+              <a:fillRect/>
             </a:stretch>
           </a:blipFill>
         </p:spPr>
       </p:sp>
       <p:sp>
         <p:nvSpPr>
-          <p:cNvPr name="TextBox 7" id="7"/>
-          <p:cNvSpPr txBox="true"/>
-          <p:nvPr/>
-        </p:nvSpPr>
-        <p:spPr>
-          <a:xfrm rot="0">
+          <p:cNvPr id="7" name="TextBox 7"/>
+          <p:cNvSpPr txBox="1"/>
+          <p:nvPr/>
+        </p:nvSpPr>
+        <p:spPr>
+          <a:xfrm>
             <a:off x="2369291" y="1814275"/>
             <a:ext cx="5010250" cy="793750"/>
           </a:xfrm>
@@ -3935,12 +3940,12 @@
           </a:prstGeom>
         </p:spPr>
         <p:txBody>
-          <a:bodyPr anchor="t" rtlCol="false" tIns="0" lIns="0" bIns="0" rIns="0">
+          <a:bodyPr lIns="0" tIns="0" rIns="0" bIns="0" rtlCol="0" anchor="t">
             <a:spAutoFit/>
           </a:bodyPr>
           <a:lstStyle/>
           <a:p>
-            <a:pPr algn="ctr" marL="863599" indent="-431800" lvl="1">
+            <a:pPr marL="863599" lvl="1" indent="-431800" algn="ctr">
               <a:lnSpc>
                 <a:spcPts val="6799"/>
               </a:lnSpc>
@@ -3964,12 +3969,12 @@
       </p:sp>
       <p:sp>
         <p:nvSpPr>
-          <p:cNvPr name="TextBox 8" id="8"/>
-          <p:cNvSpPr txBox="true"/>
-          <p:nvPr/>
-        </p:nvSpPr>
-        <p:spPr>
-          <a:xfrm rot="0">
+          <p:cNvPr id="8" name="TextBox 8"/>
+          <p:cNvSpPr txBox="1"/>
+          <p:nvPr/>
+        </p:nvSpPr>
+        <p:spPr>
+          <a:xfrm>
             <a:off x="2369291" y="2655650"/>
             <a:ext cx="4619604" cy="793750"/>
           </a:xfrm>
@@ -3978,12 +3983,12 @@
           </a:prstGeom>
         </p:spPr>
         <p:txBody>
-          <a:bodyPr anchor="t" rtlCol="false" tIns="0" lIns="0" bIns="0" rIns="0">
+          <a:bodyPr lIns="0" tIns="0" rIns="0" bIns="0" rtlCol="0" anchor="t">
             <a:spAutoFit/>
           </a:bodyPr>
           <a:lstStyle/>
           <a:p>
-            <a:pPr algn="ctr" marL="863599" indent="-431800" lvl="1">
+            <a:pPr marL="863599" lvl="1" indent="-431800" algn="ctr">
               <a:lnSpc>
                 <a:spcPts val="6799"/>
               </a:lnSpc>
@@ -4007,12 +4012,12 @@
       </p:sp>
       <p:sp>
         <p:nvSpPr>
-          <p:cNvPr name="TextBox 9" id="9"/>
-          <p:cNvSpPr txBox="true"/>
-          <p:nvPr/>
-        </p:nvSpPr>
-        <p:spPr>
-          <a:xfrm rot="0">
+          <p:cNvPr id="9" name="TextBox 9"/>
+          <p:cNvSpPr txBox="1"/>
+          <p:nvPr/>
+        </p:nvSpPr>
+        <p:spPr>
+          <a:xfrm>
             <a:off x="2374064" y="3497025"/>
             <a:ext cx="8544668" cy="793750"/>
           </a:xfrm>
@@ -4021,12 +4026,12 @@
           </a:prstGeom>
         </p:spPr>
         <p:txBody>
-          <a:bodyPr anchor="t" rtlCol="false" tIns="0" lIns="0" bIns="0" rIns="0">
+          <a:bodyPr lIns="0" tIns="0" rIns="0" bIns="0" rtlCol="0" anchor="t">
             <a:spAutoFit/>
           </a:bodyPr>
           <a:lstStyle/>
           <a:p>
-            <a:pPr algn="ctr" marL="863599" indent="-431800" lvl="1">
+            <a:pPr marL="863599" lvl="1" indent="-431800" algn="ctr">
               <a:lnSpc>
                 <a:spcPts val="6799"/>
               </a:lnSpc>
@@ -4050,12 +4055,12 @@
       </p:sp>
       <p:sp>
         <p:nvSpPr>
-          <p:cNvPr name="TextBox 10" id="10"/>
-          <p:cNvSpPr txBox="true"/>
-          <p:nvPr/>
-        </p:nvSpPr>
-        <p:spPr>
-          <a:xfrm rot="0">
+          <p:cNvPr id="10" name="TextBox 10"/>
+          <p:cNvSpPr txBox="1"/>
+          <p:nvPr/>
+        </p:nvSpPr>
+        <p:spPr>
+          <a:xfrm>
             <a:off x="2374064" y="4338400"/>
             <a:ext cx="8230173" cy="793750"/>
           </a:xfrm>
@@ -4064,12 +4069,12 @@
           </a:prstGeom>
         </p:spPr>
         <p:txBody>
-          <a:bodyPr anchor="t" rtlCol="false" tIns="0" lIns="0" bIns="0" rIns="0">
+          <a:bodyPr lIns="0" tIns="0" rIns="0" bIns="0" rtlCol="0" anchor="t">
             <a:spAutoFit/>
           </a:bodyPr>
           <a:lstStyle/>
           <a:p>
-            <a:pPr algn="ctr" marL="863599" indent="-431800" lvl="1">
+            <a:pPr marL="863599" lvl="1" indent="-431800" algn="ctr">
               <a:lnSpc>
                 <a:spcPts val="6799"/>
               </a:lnSpc>
@@ -4093,12 +4098,12 @@
       </p:sp>
       <p:sp>
         <p:nvSpPr>
-          <p:cNvPr name="TextBox 11" id="11"/>
-          <p:cNvSpPr txBox="true"/>
-          <p:nvPr/>
-        </p:nvSpPr>
-        <p:spPr>
-          <a:xfrm rot="0">
+          <p:cNvPr id="11" name="TextBox 11"/>
+          <p:cNvSpPr txBox="1"/>
+          <p:nvPr/>
+        </p:nvSpPr>
+        <p:spPr>
+          <a:xfrm>
             <a:off x="2374064" y="5179775"/>
             <a:ext cx="10124196" cy="793750"/>
           </a:xfrm>
@@ -4107,12 +4112,12 @@
           </a:prstGeom>
         </p:spPr>
         <p:txBody>
-          <a:bodyPr anchor="t" rtlCol="false" tIns="0" lIns="0" bIns="0" rIns="0">
+          <a:bodyPr lIns="0" tIns="0" rIns="0" bIns="0" rtlCol="0" anchor="t">
             <a:spAutoFit/>
           </a:bodyPr>
           <a:lstStyle/>
           <a:p>
-            <a:pPr algn="ctr" marL="863599" indent="-431800" lvl="1">
+            <a:pPr marL="863599" lvl="1" indent="-431800" algn="ctr">
               <a:lnSpc>
                 <a:spcPts val="6799"/>
               </a:lnSpc>
@@ -4136,12 +4141,12 @@
       </p:sp>
       <p:sp>
         <p:nvSpPr>
-          <p:cNvPr name="TextBox 12" id="12"/>
-          <p:cNvSpPr txBox="true"/>
-          <p:nvPr/>
-        </p:nvSpPr>
-        <p:spPr>
-          <a:xfrm rot="0">
+          <p:cNvPr id="12" name="TextBox 12"/>
+          <p:cNvSpPr txBox="1"/>
+          <p:nvPr/>
+        </p:nvSpPr>
+        <p:spPr>
+          <a:xfrm>
             <a:off x="2374064" y="6021151"/>
             <a:ext cx="6131893" cy="793750"/>
           </a:xfrm>
@@ -4150,12 +4155,12 @@
           </a:prstGeom>
         </p:spPr>
         <p:txBody>
-          <a:bodyPr anchor="t" rtlCol="false" tIns="0" lIns="0" bIns="0" rIns="0">
+          <a:bodyPr lIns="0" tIns="0" rIns="0" bIns="0" rtlCol="0" anchor="t">
             <a:spAutoFit/>
           </a:bodyPr>
           <a:lstStyle/>
           <a:p>
-            <a:pPr algn="ctr" marL="863599" indent="-431800" lvl="1">
+            <a:pPr marL="863599" lvl="1" indent="-431800" algn="ctr">
               <a:lnSpc>
                 <a:spcPts val="6799"/>
               </a:lnSpc>
@@ -4179,12 +4184,12 @@
       </p:sp>
       <p:sp>
         <p:nvSpPr>
-          <p:cNvPr name="TextBox 13" id="13"/>
-          <p:cNvSpPr txBox="true"/>
-          <p:nvPr/>
-        </p:nvSpPr>
-        <p:spPr>
-          <a:xfrm rot="0">
+          <p:cNvPr id="13" name="TextBox 13"/>
+          <p:cNvSpPr txBox="1"/>
+          <p:nvPr/>
+        </p:nvSpPr>
+        <p:spPr>
+          <a:xfrm>
             <a:off x="2374064" y="6862526"/>
             <a:ext cx="5463414" cy="793750"/>
           </a:xfrm>
@@ -4193,12 +4198,12 @@
           </a:prstGeom>
         </p:spPr>
         <p:txBody>
-          <a:bodyPr anchor="t" rtlCol="false" tIns="0" lIns="0" bIns="0" rIns="0">
+          <a:bodyPr lIns="0" tIns="0" rIns="0" bIns="0" rtlCol="0" anchor="t">
             <a:spAutoFit/>
           </a:bodyPr>
           <a:lstStyle/>
           <a:p>
-            <a:pPr algn="ctr" marL="863599" indent="-431800" lvl="1">
+            <a:pPr marL="863599" lvl="1" indent="-431800" algn="ctr">
               <a:lnSpc>
                 <a:spcPts val="6799"/>
               </a:lnSpc>
@@ -4229,13 +4234,14 @@
 </file>
 
 <file path=ppt/slides/slide3.xml><?xml version="1.0" encoding="utf-8"?>
-<p:sld xmlns:p="http://schemas.openxmlformats.org/presentationml/2006/main" xmlns:a="http://schemas.openxmlformats.org/drawingml/2006/main">
+<p:sld xmlns:a="http://schemas.openxmlformats.org/drawingml/2006/main" xmlns:r="http://schemas.openxmlformats.org/officeDocument/2006/relationships" xmlns:p="http://schemas.openxmlformats.org/presentationml/2006/main">
   <p:cSld>
     <p:bg>
       <p:bgPr>
         <a:solidFill>
           <a:srgbClr val="F8F8F8"/>
         </a:solidFill>
+        <a:effectLst/>
       </p:bgPr>
     </p:bg>
     <p:spTree>
@@ -4254,12 +4260,12 @@
       </p:grpSpPr>
       <p:grpSp>
         <p:nvGrpSpPr>
-          <p:cNvPr name="Group 2" id="2"/>
+          <p:cNvPr id="2" name="Group 2"/>
           <p:cNvGrpSpPr/>
           <p:nvPr/>
         </p:nvGrpSpPr>
         <p:grpSpPr>
-          <a:xfrm rot="0">
+          <a:xfrm>
             <a:off x="0" y="0"/>
             <a:ext cx="18288000" cy="1463743"/>
             <a:chOff x="0" y="0"/>
@@ -4268,12 +4274,12 @@
         </p:grpSpPr>
         <p:sp>
           <p:nvSpPr>
-            <p:cNvPr name="Freeform 3" id="3"/>
+            <p:cNvPr id="3" name="Freeform 3"/>
             <p:cNvSpPr/>
             <p:nvPr/>
           </p:nvSpPr>
           <p:spPr>
-            <a:xfrm flipH="false" flipV="false" rot="0">
+            <a:xfrm>
               <a:off x="0" y="0"/>
               <a:ext cx="4816592" cy="385513"/>
             </a:xfrm>
@@ -4282,9 +4288,9 @@
               <a:gdLst/>
               <a:ahLst/>
               <a:cxnLst/>
-              <a:rect r="r" b="b" t="t" l="l"/>
+              <a:rect l="l" t="t" r="r" b="b"/>
               <a:pathLst>
-                <a:path h="385513" w="4816592">
+                <a:path w="4816592" h="385513">
                   <a:moveTo>
                     <a:pt x="0" y="0"/>
                   </a:moveTo>
@@ -4308,8 +4314,8 @@
         </p:sp>
         <p:sp>
           <p:nvSpPr>
-            <p:cNvPr name="TextBox 4" id="4"/>
-            <p:cNvSpPr txBox="true"/>
+            <p:cNvPr id="4" name="TextBox 4"/>
+            <p:cNvSpPr txBox="1"/>
             <p:nvPr/>
           </p:nvSpPr>
           <p:spPr>
@@ -4322,7 +4328,7 @@
             </a:prstGeom>
           </p:spPr>
           <p:txBody>
-            <a:bodyPr anchor="ctr" rtlCol="false" tIns="50800" lIns="50800" bIns="50800" rIns="50800"/>
+            <a:bodyPr lIns="50800" tIns="50800" rIns="50800" bIns="50800" rtlCol="0" anchor="ctr"/>
             <a:lstStyle/>
             <a:p>
               <a:pPr algn="ctr">
@@ -4330,18 +4336,19 @@
                   <a:spcPts val="3693"/>
                 </a:lnSpc>
               </a:pPr>
+              <a:endParaRPr/>
             </a:p>
           </p:txBody>
         </p:sp>
       </p:grpSp>
       <p:sp>
         <p:nvSpPr>
-          <p:cNvPr name="TextBox 5" id="5"/>
-          <p:cNvSpPr txBox="true"/>
-          <p:nvPr/>
-        </p:nvSpPr>
-        <p:spPr>
-          <a:xfrm rot="0">
+          <p:cNvPr id="5" name="TextBox 5"/>
+          <p:cNvSpPr txBox="1"/>
+          <p:nvPr/>
+        </p:nvSpPr>
+        <p:spPr>
+          <a:xfrm>
             <a:off x="137368" y="142360"/>
             <a:ext cx="4933718" cy="1085215"/>
           </a:xfrm>
@@ -4350,12 +4357,12 @@
           </a:prstGeom>
         </p:spPr>
         <p:txBody>
-          <a:bodyPr anchor="t" rtlCol="false" tIns="0" lIns="0" bIns="0" rIns="0">
+          <a:bodyPr lIns="0" tIns="0" rIns="0" bIns="0" rtlCol="0" anchor="t">
             <a:spAutoFit/>
           </a:bodyPr>
           <a:lstStyle/>
           <a:p>
-            <a:pPr algn="l" marL="0" indent="0" lvl="0">
+            <a:pPr marL="0" lvl="0" indent="0" algn="l">
               <a:lnSpc>
                 <a:spcPts val="8959"/>
               </a:lnSpc>
@@ -4364,7 +4371,7 @@
               </a:spcBef>
             </a:pPr>
             <a:r>
-              <a:rPr lang="en-US" b="true" sz="6399" i="true">
+              <a:rPr lang="en-US" sz="6399" b="1" i="1">
                 <a:solidFill>
                   <a:srgbClr val="0F4662"/>
                 </a:solidFill>
@@ -4380,12 +4387,12 @@
       </p:sp>
       <p:sp>
         <p:nvSpPr>
-          <p:cNvPr name="TextBox 6" id="6"/>
-          <p:cNvSpPr txBox="true"/>
-          <p:nvPr/>
-        </p:nvSpPr>
-        <p:spPr>
-          <a:xfrm rot="0">
+          <p:cNvPr id="6" name="TextBox 6"/>
+          <p:cNvSpPr txBox="1"/>
+          <p:nvPr/>
+        </p:nvSpPr>
+        <p:spPr>
+          <a:xfrm>
             <a:off x="620185" y="1856714"/>
             <a:ext cx="2462973" cy="580390"/>
           </a:xfrm>
@@ -4394,18 +4401,18 @@
           </a:prstGeom>
         </p:spPr>
         <p:txBody>
-          <a:bodyPr anchor="t" rtlCol="false" tIns="0" lIns="0" bIns="0" rIns="0">
+          <a:bodyPr lIns="0" tIns="0" rIns="0" bIns="0" rtlCol="0" anchor="t">
             <a:spAutoFit/>
           </a:bodyPr>
           <a:lstStyle/>
           <a:p>
-            <a:pPr algn="just" marL="0" indent="0" lvl="0">
+            <a:pPr marL="0" lvl="0" indent="0" algn="just">
               <a:lnSpc>
                 <a:spcPts val="4759"/>
               </a:lnSpc>
             </a:pPr>
             <a:r>
-              <a:rPr lang="en-US" b="true" sz="3399">
+              <a:rPr lang="en-US" sz="3399" b="1">
                 <a:solidFill>
                   <a:srgbClr val="0F4662"/>
                 </a:solidFill>
@@ -4421,12 +4428,12 @@
       </p:sp>
       <p:sp>
         <p:nvSpPr>
-          <p:cNvPr name="TextBox 7" id="7"/>
-          <p:cNvSpPr txBox="true"/>
-          <p:nvPr/>
-        </p:nvSpPr>
-        <p:spPr>
-          <a:xfrm rot="0">
+          <p:cNvPr id="7" name="TextBox 7"/>
+          <p:cNvSpPr txBox="1"/>
+          <p:nvPr/>
+        </p:nvSpPr>
+        <p:spPr>
+          <a:xfrm>
             <a:off x="3092683" y="1846553"/>
             <a:ext cx="10466149" cy="590551"/>
           </a:xfrm>
@@ -4435,12 +4442,12 @@
           </a:prstGeom>
         </p:spPr>
         <p:txBody>
-          <a:bodyPr anchor="t" rtlCol="false" tIns="0" lIns="0" bIns="0" rIns="0">
+          <a:bodyPr lIns="0" tIns="0" rIns="0" bIns="0" rtlCol="0" anchor="t">
             <a:spAutoFit/>
           </a:bodyPr>
           <a:lstStyle/>
           <a:p>
-            <a:pPr algn="l" marL="0" indent="0" lvl="0">
+            <a:pPr marL="0" lvl="0" indent="0" algn="l">
               <a:lnSpc>
                 <a:spcPts val="5099"/>
               </a:lnSpc>
@@ -4462,12 +4469,12 @@
       </p:sp>
       <p:sp>
         <p:nvSpPr>
-          <p:cNvPr name="TextBox 8" id="8"/>
-          <p:cNvSpPr txBox="true"/>
-          <p:nvPr/>
-        </p:nvSpPr>
-        <p:spPr>
-          <a:xfrm rot="0">
+          <p:cNvPr id="8" name="TextBox 8"/>
+          <p:cNvSpPr txBox="1"/>
+          <p:nvPr/>
+        </p:nvSpPr>
+        <p:spPr>
+          <a:xfrm>
             <a:off x="620185" y="2663142"/>
             <a:ext cx="2704368" cy="580390"/>
           </a:xfrm>
@@ -4476,18 +4483,18 @@
           </a:prstGeom>
         </p:spPr>
         <p:txBody>
-          <a:bodyPr anchor="t" rtlCol="false" tIns="0" lIns="0" bIns="0" rIns="0">
+          <a:bodyPr lIns="0" tIns="0" rIns="0" bIns="0" rtlCol="0" anchor="t">
             <a:spAutoFit/>
           </a:bodyPr>
           <a:lstStyle/>
           <a:p>
-            <a:pPr algn="just" marL="0" indent="0" lvl="0">
+            <a:pPr marL="0" lvl="0" indent="0" algn="just">
               <a:lnSpc>
                 <a:spcPts val="4759"/>
               </a:lnSpc>
             </a:pPr>
             <a:r>
-              <a:rPr lang="en-US" b="true" sz="3399">
+              <a:rPr lang="en-US" sz="3399" b="1">
                 <a:solidFill>
                   <a:srgbClr val="0F4662"/>
                 </a:solidFill>
@@ -4503,12 +4510,12 @@
       </p:sp>
       <p:sp>
         <p:nvSpPr>
-          <p:cNvPr name="TextBox 9" id="9"/>
-          <p:cNvSpPr txBox="true"/>
-          <p:nvPr/>
-        </p:nvSpPr>
-        <p:spPr>
-          <a:xfrm rot="0">
+          <p:cNvPr id="9" name="TextBox 9"/>
+          <p:cNvSpPr txBox="1"/>
+          <p:nvPr/>
+        </p:nvSpPr>
+        <p:spPr>
+          <a:xfrm>
             <a:off x="3495522" y="2652981"/>
             <a:ext cx="1575564" cy="590551"/>
           </a:xfrm>
@@ -4517,12 +4524,12 @@
           </a:prstGeom>
         </p:spPr>
         <p:txBody>
-          <a:bodyPr anchor="t" rtlCol="false" tIns="0" lIns="0" bIns="0" rIns="0">
+          <a:bodyPr lIns="0" tIns="0" rIns="0" bIns="0" rtlCol="0" anchor="t">
             <a:spAutoFit/>
           </a:bodyPr>
           <a:lstStyle/>
           <a:p>
-            <a:pPr algn="l" marL="0" indent="0" lvl="0">
+            <a:pPr marL="0" lvl="0" indent="0" algn="l">
               <a:lnSpc>
                 <a:spcPts val="5099"/>
               </a:lnSpc>
@@ -4544,12 +4551,12 @@
       </p:sp>
       <p:sp>
         <p:nvSpPr>
-          <p:cNvPr name="TextBox 10" id="10"/>
-          <p:cNvSpPr txBox="true"/>
-          <p:nvPr/>
-        </p:nvSpPr>
-        <p:spPr>
-          <a:xfrm rot="0">
+          <p:cNvPr id="10" name="TextBox 10"/>
+          <p:cNvSpPr txBox="1"/>
+          <p:nvPr/>
+        </p:nvSpPr>
+        <p:spPr>
+          <a:xfrm>
             <a:off x="620185" y="3538807"/>
             <a:ext cx="3447122" cy="580390"/>
           </a:xfrm>
@@ -4558,18 +4565,18 @@
           </a:prstGeom>
         </p:spPr>
         <p:txBody>
-          <a:bodyPr anchor="t" rtlCol="false" tIns="0" lIns="0" bIns="0" rIns="0">
+          <a:bodyPr lIns="0" tIns="0" rIns="0" bIns="0" rtlCol="0" anchor="t">
             <a:spAutoFit/>
           </a:bodyPr>
           <a:lstStyle/>
           <a:p>
-            <a:pPr algn="just" marL="0" indent="0" lvl="0">
+            <a:pPr marL="0" lvl="0" indent="0" algn="just">
               <a:lnSpc>
                 <a:spcPts val="4759"/>
               </a:lnSpc>
             </a:pPr>
             <a:r>
-              <a:rPr lang="en-US" b="true" sz="3399">
+              <a:rPr lang="en-US" sz="3399" b="1">
                 <a:solidFill>
                   <a:srgbClr val="0F4662"/>
                 </a:solidFill>
@@ -4585,12 +4592,12 @@
       </p:sp>
       <p:sp>
         <p:nvSpPr>
-          <p:cNvPr name="TextBox 11" id="11"/>
-          <p:cNvSpPr txBox="true"/>
-          <p:nvPr/>
-        </p:nvSpPr>
-        <p:spPr>
-          <a:xfrm rot="0">
+          <p:cNvPr id="11" name="TextBox 11"/>
+          <p:cNvSpPr txBox="1"/>
+          <p:nvPr/>
+        </p:nvSpPr>
+        <p:spPr>
+          <a:xfrm>
             <a:off x="4264254" y="3528646"/>
             <a:ext cx="1575564" cy="590551"/>
           </a:xfrm>
@@ -4599,12 +4606,12 @@
           </a:prstGeom>
         </p:spPr>
         <p:txBody>
-          <a:bodyPr anchor="t" rtlCol="false" tIns="0" lIns="0" bIns="0" rIns="0">
+          <a:bodyPr lIns="0" tIns="0" rIns="0" bIns="0" rtlCol="0" anchor="t">
             <a:spAutoFit/>
           </a:bodyPr>
           <a:lstStyle/>
           <a:p>
-            <a:pPr algn="l" marL="0" indent="0" lvl="0">
+            <a:pPr marL="0" lvl="0" indent="0" algn="l">
               <a:lnSpc>
                 <a:spcPts val="5099"/>
               </a:lnSpc>
@@ -4626,12 +4633,12 @@
       </p:sp>
       <p:sp>
         <p:nvSpPr>
-          <p:cNvPr name="TextBox 12" id="12"/>
-          <p:cNvSpPr txBox="true"/>
-          <p:nvPr/>
-        </p:nvSpPr>
-        <p:spPr>
-          <a:xfrm rot="0">
+          <p:cNvPr id="12" name="TextBox 12"/>
+          <p:cNvSpPr txBox="1"/>
+          <p:nvPr/>
+        </p:nvSpPr>
+        <p:spPr>
+          <a:xfrm>
             <a:off x="620185" y="4301061"/>
             <a:ext cx="1984042" cy="580390"/>
           </a:xfrm>
@@ -4640,18 +4647,18 @@
           </a:prstGeom>
         </p:spPr>
         <p:txBody>
-          <a:bodyPr anchor="t" rtlCol="false" tIns="0" lIns="0" bIns="0" rIns="0">
+          <a:bodyPr lIns="0" tIns="0" rIns="0" bIns="0" rtlCol="0" anchor="t">
             <a:spAutoFit/>
           </a:bodyPr>
           <a:lstStyle/>
           <a:p>
-            <a:pPr algn="just" marL="0" indent="0" lvl="0">
+            <a:pPr marL="0" lvl="0" indent="0" algn="just">
               <a:lnSpc>
                 <a:spcPts val="4759"/>
               </a:lnSpc>
             </a:pPr>
             <a:r>
-              <a:rPr lang="en-US" b="true" sz="3399">
+              <a:rPr lang="en-US" sz="3399" b="1">
                 <a:solidFill>
                   <a:srgbClr val="0F4662"/>
                 </a:solidFill>
@@ -4667,12 +4674,12 @@
       </p:sp>
       <p:sp>
         <p:nvSpPr>
-          <p:cNvPr name="TextBox 13" id="13"/>
-          <p:cNvSpPr txBox="true"/>
-          <p:nvPr/>
-        </p:nvSpPr>
-        <p:spPr>
-          <a:xfrm rot="0">
+          <p:cNvPr id="13" name="TextBox 13"/>
+          <p:cNvSpPr txBox="1"/>
+          <p:nvPr/>
+        </p:nvSpPr>
+        <p:spPr>
+          <a:xfrm>
             <a:off x="2795582" y="4282011"/>
             <a:ext cx="11060353" cy="1228726"/>
           </a:xfrm>
@@ -4681,12 +4688,12 @@
           </a:prstGeom>
         </p:spPr>
         <p:txBody>
-          <a:bodyPr anchor="t" rtlCol="false" tIns="0" lIns="0" bIns="0" rIns="0">
+          <a:bodyPr lIns="0" tIns="0" rIns="0" bIns="0" rtlCol="0" anchor="t">
             <a:spAutoFit/>
           </a:bodyPr>
           <a:lstStyle/>
           <a:p>
-            <a:pPr algn="l" marL="0" indent="0" lvl="0">
+            <a:pPr marL="0" lvl="0" indent="0" algn="l">
               <a:lnSpc>
                 <a:spcPts val="5099"/>
               </a:lnSpc>
@@ -4708,12 +4715,12 @@
       </p:sp>
       <p:sp>
         <p:nvSpPr>
-          <p:cNvPr name="TextBox 14" id="14"/>
-          <p:cNvSpPr txBox="true"/>
-          <p:nvPr/>
-        </p:nvSpPr>
-        <p:spPr>
-          <a:xfrm rot="0">
+          <p:cNvPr id="14" name="TextBox 14"/>
+          <p:cNvSpPr txBox="1"/>
+          <p:nvPr/>
+        </p:nvSpPr>
+        <p:spPr>
+          <a:xfrm>
             <a:off x="620185" y="5758387"/>
             <a:ext cx="4620819" cy="580390"/>
           </a:xfrm>
@@ -4722,18 +4729,18 @@
           </a:prstGeom>
         </p:spPr>
         <p:txBody>
-          <a:bodyPr anchor="t" rtlCol="false" tIns="0" lIns="0" bIns="0" rIns="0">
+          <a:bodyPr lIns="0" tIns="0" rIns="0" bIns="0" rtlCol="0" anchor="t">
             <a:spAutoFit/>
           </a:bodyPr>
           <a:lstStyle/>
           <a:p>
-            <a:pPr algn="just" marL="0" indent="0" lvl="0">
+            <a:pPr marL="0" lvl="0" indent="0" algn="just">
               <a:lnSpc>
                 <a:spcPts val="4759"/>
               </a:lnSpc>
             </a:pPr>
             <a:r>
-              <a:rPr lang="en-US" b="true" sz="3399">
+              <a:rPr lang="en-US" sz="3399" b="1">
                 <a:solidFill>
                   <a:srgbClr val="0F4662"/>
                 </a:solidFill>
@@ -4749,12 +4756,12 @@
       </p:sp>
       <p:sp>
         <p:nvSpPr>
-          <p:cNvPr name="TextBox 15" id="15"/>
-          <p:cNvSpPr txBox="true"/>
-          <p:nvPr/>
-        </p:nvSpPr>
-        <p:spPr>
-          <a:xfrm rot="0">
+          <p:cNvPr id="15" name="TextBox 15"/>
+          <p:cNvSpPr txBox="1"/>
+          <p:nvPr/>
+        </p:nvSpPr>
+        <p:spPr>
+          <a:xfrm>
             <a:off x="5512698" y="5748226"/>
             <a:ext cx="3432450" cy="590551"/>
           </a:xfrm>
@@ -4763,12 +4770,12 @@
           </a:prstGeom>
         </p:spPr>
         <p:txBody>
-          <a:bodyPr anchor="t" rtlCol="false" tIns="0" lIns="0" bIns="0" rIns="0">
+          <a:bodyPr lIns="0" tIns="0" rIns="0" bIns="0" rtlCol="0" anchor="t">
             <a:spAutoFit/>
           </a:bodyPr>
           <a:lstStyle/>
           <a:p>
-            <a:pPr algn="l" marL="0" indent="0" lvl="0">
+            <a:pPr marL="0" lvl="0" indent="0" algn="l">
               <a:lnSpc>
                 <a:spcPts val="5099"/>
               </a:lnSpc>
@@ -4790,12 +4797,12 @@
       </p:sp>
       <p:sp>
         <p:nvSpPr>
-          <p:cNvPr name="TextBox 16" id="16"/>
-          <p:cNvSpPr txBox="true"/>
-          <p:nvPr/>
-        </p:nvSpPr>
-        <p:spPr>
-          <a:xfrm rot="0">
+          <p:cNvPr id="16" name="TextBox 16"/>
+          <p:cNvSpPr txBox="1"/>
+          <p:nvPr/>
+        </p:nvSpPr>
+        <p:spPr>
+          <a:xfrm>
             <a:off x="620185" y="6634052"/>
             <a:ext cx="4286580" cy="580390"/>
           </a:xfrm>
@@ -4804,18 +4811,18 @@
           </a:prstGeom>
         </p:spPr>
         <p:txBody>
-          <a:bodyPr anchor="t" rtlCol="false" tIns="0" lIns="0" bIns="0" rIns="0">
+          <a:bodyPr lIns="0" tIns="0" rIns="0" bIns="0" rtlCol="0" anchor="t">
             <a:spAutoFit/>
           </a:bodyPr>
           <a:lstStyle/>
           <a:p>
-            <a:pPr algn="just" marL="0" indent="0" lvl="0">
+            <a:pPr marL="0" lvl="0" indent="0" algn="just">
               <a:lnSpc>
                 <a:spcPts val="4759"/>
               </a:lnSpc>
             </a:pPr>
             <a:r>
-              <a:rPr lang="en-US" b="true" sz="3399">
+              <a:rPr lang="en-US" sz="3399" b="1">
                 <a:solidFill>
                   <a:srgbClr val="0F4662"/>
                 </a:solidFill>
@@ -4831,12 +4838,12 @@
       </p:sp>
       <p:sp>
         <p:nvSpPr>
-          <p:cNvPr name="TextBox 17" id="17"/>
-          <p:cNvSpPr txBox="true"/>
-          <p:nvPr/>
-        </p:nvSpPr>
-        <p:spPr>
-          <a:xfrm rot="0">
+          <p:cNvPr id="17" name="TextBox 17"/>
+          <p:cNvSpPr txBox="1"/>
+          <p:nvPr/>
+        </p:nvSpPr>
+        <p:spPr>
+          <a:xfrm>
             <a:off x="5241005" y="6623892"/>
             <a:ext cx="4676563" cy="590551"/>
           </a:xfrm>
@@ -4845,12 +4852,12 @@
           </a:prstGeom>
         </p:spPr>
         <p:txBody>
-          <a:bodyPr anchor="t" rtlCol="false" tIns="0" lIns="0" bIns="0" rIns="0">
+          <a:bodyPr lIns="0" tIns="0" rIns="0" bIns="0" rtlCol="0" anchor="t">
             <a:spAutoFit/>
           </a:bodyPr>
           <a:lstStyle/>
           <a:p>
-            <a:pPr algn="l" marL="0" indent="0" lvl="0">
+            <a:pPr marL="0" lvl="0" indent="0" algn="l">
               <a:lnSpc>
                 <a:spcPts val="5099"/>
               </a:lnSpc>
@@ -4872,12 +4879,12 @@
       </p:sp>
       <p:sp>
         <p:nvSpPr>
-          <p:cNvPr name="TextBox 18" id="18"/>
-          <p:cNvSpPr txBox="true"/>
-          <p:nvPr/>
-        </p:nvSpPr>
-        <p:spPr>
-          <a:xfrm rot="0">
+          <p:cNvPr id="18" name="TextBox 18"/>
+          <p:cNvSpPr txBox="1"/>
+          <p:nvPr/>
+        </p:nvSpPr>
+        <p:spPr>
+          <a:xfrm>
             <a:off x="620185" y="7509717"/>
             <a:ext cx="6236310" cy="580390"/>
           </a:xfrm>
@@ -4886,18 +4893,18 @@
           </a:prstGeom>
         </p:spPr>
         <p:txBody>
-          <a:bodyPr anchor="t" rtlCol="false" tIns="0" lIns="0" bIns="0" rIns="0">
+          <a:bodyPr lIns="0" tIns="0" rIns="0" bIns="0" rtlCol="0" anchor="t">
             <a:spAutoFit/>
           </a:bodyPr>
           <a:lstStyle/>
           <a:p>
-            <a:pPr algn="just" marL="0" indent="0" lvl="0">
+            <a:pPr marL="0" lvl="0" indent="0" algn="just">
               <a:lnSpc>
                 <a:spcPts val="4759"/>
               </a:lnSpc>
             </a:pPr>
             <a:r>
-              <a:rPr lang="en-US" b="true" sz="3399">
+              <a:rPr lang="en-US" sz="3399" b="1">
                 <a:solidFill>
                   <a:srgbClr val="0F4662"/>
                 </a:solidFill>
@@ -4913,12 +4920,12 @@
       </p:sp>
       <p:sp>
         <p:nvSpPr>
-          <p:cNvPr name="TextBox 19" id="19"/>
-          <p:cNvSpPr txBox="true"/>
-          <p:nvPr/>
-        </p:nvSpPr>
-        <p:spPr>
-          <a:xfrm rot="0">
+          <p:cNvPr id="19" name="TextBox 19"/>
+          <p:cNvSpPr txBox="1"/>
+          <p:nvPr/>
+        </p:nvSpPr>
+        <p:spPr>
+          <a:xfrm>
             <a:off x="7125743" y="7499557"/>
             <a:ext cx="907085" cy="590551"/>
           </a:xfrm>
@@ -4927,12 +4934,12 @@
           </a:prstGeom>
         </p:spPr>
         <p:txBody>
-          <a:bodyPr anchor="t" rtlCol="false" tIns="0" lIns="0" bIns="0" rIns="0">
+          <a:bodyPr lIns="0" tIns="0" rIns="0" bIns="0" rtlCol="0" anchor="t">
             <a:spAutoFit/>
           </a:bodyPr>
           <a:lstStyle/>
           <a:p>
-            <a:pPr algn="l" marL="0" indent="0" lvl="0">
+            <a:pPr marL="0" lvl="0" indent="0" algn="l">
               <a:lnSpc>
                 <a:spcPts val="5099"/>
               </a:lnSpc>
@@ -4954,12 +4961,12 @@
       </p:sp>
       <p:sp>
         <p:nvSpPr>
-          <p:cNvPr name="TextBox 20" id="20"/>
-          <p:cNvSpPr txBox="true"/>
-          <p:nvPr/>
-        </p:nvSpPr>
-        <p:spPr>
-          <a:xfrm rot="0">
+          <p:cNvPr id="20" name="TextBox 20"/>
+          <p:cNvSpPr txBox="1"/>
+          <p:nvPr/>
+        </p:nvSpPr>
+        <p:spPr>
+          <a:xfrm>
             <a:off x="620185" y="8299658"/>
             <a:ext cx="2310410" cy="580390"/>
           </a:xfrm>
@@ -4968,18 +4975,18 @@
           </a:prstGeom>
         </p:spPr>
         <p:txBody>
-          <a:bodyPr anchor="t" rtlCol="false" tIns="0" lIns="0" bIns="0" rIns="0">
+          <a:bodyPr lIns="0" tIns="0" rIns="0" bIns="0" rtlCol="0" anchor="t">
             <a:spAutoFit/>
           </a:bodyPr>
           <a:lstStyle/>
           <a:p>
-            <a:pPr algn="just" marL="0" indent="0" lvl="0">
+            <a:pPr marL="0" lvl="0" indent="0" algn="just">
               <a:lnSpc>
                 <a:spcPts val="4759"/>
               </a:lnSpc>
             </a:pPr>
             <a:r>
-              <a:rPr lang="en-US" b="true" sz="3399">
+              <a:rPr lang="en-US" sz="3399" b="1">
                 <a:solidFill>
                   <a:srgbClr val="0F4662"/>
                 </a:solidFill>
@@ -4995,12 +5002,12 @@
       </p:sp>
       <p:sp>
         <p:nvSpPr>
-          <p:cNvPr name="TextBox 21" id="21"/>
-          <p:cNvSpPr txBox="true"/>
-          <p:nvPr/>
-        </p:nvSpPr>
-        <p:spPr>
-          <a:xfrm rot="0">
+          <p:cNvPr id="21" name="TextBox 21"/>
+          <p:cNvSpPr txBox="1"/>
+          <p:nvPr/>
+        </p:nvSpPr>
+        <p:spPr>
+          <a:xfrm>
             <a:off x="3083158" y="8289497"/>
             <a:ext cx="2262612" cy="590551"/>
           </a:xfrm>
@@ -5009,12 +5016,12 @@
           </a:prstGeom>
         </p:spPr>
         <p:txBody>
-          <a:bodyPr anchor="t" rtlCol="false" tIns="0" lIns="0" bIns="0" rIns="0">
+          <a:bodyPr lIns="0" tIns="0" rIns="0" bIns="0" rtlCol="0" anchor="t">
             <a:spAutoFit/>
           </a:bodyPr>
           <a:lstStyle/>
           <a:p>
-            <a:pPr algn="l" marL="0" indent="0" lvl="0">
+            <a:pPr marL="0" lvl="0" indent="0" algn="l">
               <a:lnSpc>
                 <a:spcPts val="5099"/>
               </a:lnSpc>
@@ -5036,12 +5043,12 @@
       </p:sp>
       <p:sp>
         <p:nvSpPr>
-          <p:cNvPr name="TextBox 22" id="22"/>
-          <p:cNvSpPr txBox="true"/>
-          <p:nvPr/>
-        </p:nvSpPr>
-        <p:spPr>
-          <a:xfrm rot="0">
+          <p:cNvPr id="22" name="TextBox 22"/>
+          <p:cNvSpPr txBox="1"/>
+          <p:nvPr/>
+        </p:nvSpPr>
+        <p:spPr>
+          <a:xfrm>
             <a:off x="665518" y="9099123"/>
             <a:ext cx="4816231" cy="580390"/>
           </a:xfrm>
@@ -5050,18 +5057,18 @@
           </a:prstGeom>
         </p:spPr>
         <p:txBody>
-          <a:bodyPr anchor="t" rtlCol="false" tIns="0" lIns="0" bIns="0" rIns="0">
+          <a:bodyPr lIns="0" tIns="0" rIns="0" bIns="0" rtlCol="0" anchor="t">
             <a:spAutoFit/>
           </a:bodyPr>
           <a:lstStyle/>
           <a:p>
-            <a:pPr algn="just" marL="0" indent="0" lvl="0">
+            <a:pPr marL="0" lvl="0" indent="0" algn="just">
               <a:lnSpc>
                 <a:spcPts val="4759"/>
               </a:lnSpc>
             </a:pPr>
             <a:r>
-              <a:rPr lang="en-US" b="true" sz="3399">
+              <a:rPr lang="en-US" sz="3399" b="1">
                 <a:solidFill>
                   <a:srgbClr val="0F4662"/>
                 </a:solidFill>
@@ -5077,12 +5084,12 @@
       </p:sp>
       <p:sp>
         <p:nvSpPr>
-          <p:cNvPr name="TextBox 23" id="23"/>
-          <p:cNvSpPr txBox="true"/>
-          <p:nvPr/>
-        </p:nvSpPr>
-        <p:spPr>
-          <a:xfrm rot="0">
+          <p:cNvPr id="23" name="TextBox 23"/>
+          <p:cNvSpPr txBox="1"/>
+          <p:nvPr/>
+        </p:nvSpPr>
+        <p:spPr>
+          <a:xfrm>
             <a:off x="5493648" y="9088962"/>
             <a:ext cx="1343797" cy="590551"/>
           </a:xfrm>
@@ -5091,12 +5098,12 @@
           </a:prstGeom>
         </p:spPr>
         <p:txBody>
-          <a:bodyPr anchor="t" rtlCol="false" tIns="0" lIns="0" bIns="0" rIns="0">
+          <a:bodyPr lIns="0" tIns="0" rIns="0" bIns="0" rtlCol="0" anchor="t">
             <a:spAutoFit/>
           </a:bodyPr>
           <a:lstStyle/>
           <a:p>
-            <a:pPr algn="l" marL="0" indent="0" lvl="0">
+            <a:pPr marL="0" lvl="0" indent="0" algn="l">
               <a:lnSpc>
                 <a:spcPts val="5099"/>
               </a:lnSpc>
@@ -5125,7 +5132,7 @@
 </file>
 
 <file path=ppt/slides/slide4.xml><?xml version="1.0" encoding="utf-8"?>
-<p:sld xmlns:p="http://schemas.openxmlformats.org/presentationml/2006/main" xmlns:a="http://schemas.openxmlformats.org/drawingml/2006/main" xmlns:r="http://schemas.openxmlformats.org/officeDocument/2006/relationships">
+<p:sld xmlns:a="http://schemas.openxmlformats.org/drawingml/2006/main" xmlns:r="http://schemas.openxmlformats.org/officeDocument/2006/relationships" xmlns:p="http://schemas.openxmlformats.org/presentationml/2006/main">
   <p:cSld>
     <p:spTree>
       <p:nvGrpSpPr>
@@ -5143,12 +5150,12 @@
       </p:grpSpPr>
       <p:grpSp>
         <p:nvGrpSpPr>
-          <p:cNvPr name="Group 2" id="2"/>
+          <p:cNvPr id="2" name="Group 2"/>
           <p:cNvGrpSpPr/>
           <p:nvPr/>
         </p:nvGrpSpPr>
         <p:grpSpPr>
-          <a:xfrm rot="0">
+          <a:xfrm>
             <a:off x="0" y="0"/>
             <a:ext cx="18288000" cy="1463743"/>
             <a:chOff x="0" y="0"/>
@@ -5157,12 +5164,12 @@
         </p:grpSpPr>
         <p:sp>
           <p:nvSpPr>
-            <p:cNvPr name="Freeform 3" id="3"/>
+            <p:cNvPr id="3" name="Freeform 3"/>
             <p:cNvSpPr/>
             <p:nvPr/>
           </p:nvSpPr>
           <p:spPr>
-            <a:xfrm flipH="false" flipV="false" rot="0">
+            <a:xfrm>
               <a:off x="0" y="0"/>
               <a:ext cx="4816592" cy="385513"/>
             </a:xfrm>
@@ -5171,9 +5178,9 @@
               <a:gdLst/>
               <a:ahLst/>
               <a:cxnLst/>
-              <a:rect r="r" b="b" t="t" l="l"/>
+              <a:rect l="l" t="t" r="r" b="b"/>
               <a:pathLst>
-                <a:path h="385513" w="4816592">
+                <a:path w="4816592" h="385513">
                   <a:moveTo>
                     <a:pt x="0" y="0"/>
                   </a:moveTo>
@@ -5197,8 +5204,8 @@
         </p:sp>
         <p:sp>
           <p:nvSpPr>
-            <p:cNvPr name="TextBox 4" id="4"/>
-            <p:cNvSpPr txBox="true"/>
+            <p:cNvPr id="4" name="TextBox 4"/>
+            <p:cNvSpPr txBox="1"/>
             <p:nvPr/>
           </p:nvSpPr>
           <p:spPr>
@@ -5211,7 +5218,7 @@
             </a:prstGeom>
           </p:spPr>
           <p:txBody>
-            <a:bodyPr anchor="ctr" rtlCol="false" tIns="50800" lIns="50800" bIns="50800" rIns="50800"/>
+            <a:bodyPr lIns="50800" tIns="50800" rIns="50800" bIns="50800" rtlCol="0" anchor="ctr"/>
             <a:lstStyle/>
             <a:p>
               <a:pPr algn="ctr">
@@ -5219,18 +5226,19 @@
                   <a:spcPts val="3693"/>
                 </a:lnSpc>
               </a:pPr>
+              <a:endParaRPr/>
             </a:p>
           </p:txBody>
         </p:sp>
       </p:grpSp>
       <p:sp>
         <p:nvSpPr>
-          <p:cNvPr name="Freeform 5" id="5"/>
+          <p:cNvPr id="5" name="Freeform 5"/>
           <p:cNvSpPr/>
           <p:nvPr/>
         </p:nvSpPr>
         <p:spPr>
-          <a:xfrm flipH="false" flipV="false" rot="0">
+          <a:xfrm>
             <a:off x="15024237" y="7770"/>
             <a:ext cx="3263763" cy="1455973"/>
           </a:xfrm>
@@ -5239,9 +5247,9 @@
             <a:gdLst/>
             <a:ahLst/>
             <a:cxnLst/>
-            <a:rect r="r" b="b" t="t" l="l"/>
+            <a:rect l="l" t="t" r="r" b="b"/>
             <a:pathLst>
-              <a:path h="1455973" w="3263763">
+              <a:path w="3263763" h="1455973">
                 <a:moveTo>
                   <a:pt x="0" y="0"/>
                 </a:moveTo>
@@ -5264,19 +5272,19 @@
           <a:blipFill>
             <a:blip r:embed="rId2"/>
             <a:stretch>
-              <a:fillRect l="-3792" t="0" r="-3792" b="-8525"/>
+              <a:fillRect l="-3792" r="-3792" b="-8525"/>
             </a:stretch>
           </a:blipFill>
         </p:spPr>
       </p:sp>
       <p:sp>
         <p:nvSpPr>
-          <p:cNvPr name="Freeform 6" id="6"/>
+          <p:cNvPr id="6" name="Freeform 6"/>
           <p:cNvSpPr/>
           <p:nvPr/>
         </p:nvSpPr>
         <p:spPr>
-          <a:xfrm flipH="false" flipV="false" rot="0">
+          <a:xfrm>
             <a:off x="1354289" y="1463743"/>
             <a:ext cx="12223330" cy="9686989"/>
           </a:xfrm>
@@ -5285,9 +5293,9 @@
             <a:gdLst/>
             <a:ahLst/>
             <a:cxnLst/>
-            <a:rect r="r" b="b" t="t" l="l"/>
+            <a:rect l="l" t="t" r="r" b="b"/>
             <a:pathLst>
-              <a:path h="9686989" w="12223330">
+              <a:path w="12223330" h="9686989">
                 <a:moveTo>
                   <a:pt x="0" y="0"/>
                 </a:moveTo>
@@ -5310,19 +5318,19 @@
           <a:blipFill>
             <a:blip r:embed="rId3"/>
             <a:stretch>
-              <a:fillRect l="0" t="0" r="0" b="0"/>
+              <a:fillRect/>
             </a:stretch>
           </a:blipFill>
         </p:spPr>
       </p:sp>
       <p:sp>
         <p:nvSpPr>
-          <p:cNvPr name="Freeform 7" id="7"/>
+          <p:cNvPr id="7" name="Freeform 7"/>
           <p:cNvSpPr/>
           <p:nvPr/>
         </p:nvSpPr>
         <p:spPr>
-          <a:xfrm flipH="false" flipV="false" rot="0">
+          <a:xfrm>
             <a:off x="10500461" y="7242361"/>
             <a:ext cx="1994892" cy="1239251"/>
           </a:xfrm>
@@ -5331,9 +5339,9 @@
             <a:gdLst/>
             <a:ahLst/>
             <a:cxnLst/>
-            <a:rect r="r" b="b" t="t" l="l"/>
+            <a:rect l="l" t="t" r="r" b="b"/>
             <a:pathLst>
-              <a:path h="1239251" w="1994892">
+              <a:path w="1994892" h="1239251">
                 <a:moveTo>
                   <a:pt x="0" y="0"/>
                 </a:moveTo>
@@ -5356,19 +5364,19 @@
           <a:blipFill>
             <a:blip r:embed="rId4"/>
             <a:stretch>
-              <a:fillRect l="0" t="0" r="0" b="0"/>
+              <a:fillRect/>
             </a:stretch>
           </a:blipFill>
         </p:spPr>
       </p:sp>
       <p:sp>
         <p:nvSpPr>
-          <p:cNvPr name="Freeform 8" id="8"/>
+          <p:cNvPr id="8" name="Freeform 8"/>
           <p:cNvSpPr/>
           <p:nvPr/>
         </p:nvSpPr>
         <p:spPr>
-          <a:xfrm flipH="false" flipV="false" rot="0">
+          <a:xfrm>
             <a:off x="13577619" y="7978913"/>
             <a:ext cx="4710381" cy="2308087"/>
           </a:xfrm>
@@ -5377,9 +5385,9 @@
             <a:gdLst/>
             <a:ahLst/>
             <a:cxnLst/>
-            <a:rect r="r" b="b" t="t" l="l"/>
+            <a:rect l="l" t="t" r="r" b="b"/>
             <a:pathLst>
-              <a:path h="2308087" w="4710381">
+              <a:path w="4710381" h="2308087">
                 <a:moveTo>
                   <a:pt x="0" y="0"/>
                 </a:moveTo>
@@ -5402,19 +5410,19 @@
           <a:blipFill>
             <a:blip r:embed="rId5"/>
             <a:stretch>
-              <a:fillRect l="0" t="0" r="0" b="0"/>
+              <a:fillRect/>
             </a:stretch>
           </a:blipFill>
         </p:spPr>
       </p:sp>
       <p:sp>
         <p:nvSpPr>
-          <p:cNvPr name="TextBox 9" id="9"/>
-          <p:cNvSpPr txBox="true"/>
-          <p:nvPr/>
-        </p:nvSpPr>
-        <p:spPr>
-          <a:xfrm rot="0">
+          <p:cNvPr id="9" name="TextBox 9"/>
+          <p:cNvSpPr txBox="1"/>
+          <p:nvPr/>
+        </p:nvSpPr>
+        <p:spPr>
+          <a:xfrm>
             <a:off x="137368" y="142360"/>
             <a:ext cx="4580910" cy="1085215"/>
           </a:xfrm>
@@ -5423,12 +5431,12 @@
           </a:prstGeom>
         </p:spPr>
         <p:txBody>
-          <a:bodyPr anchor="t" rtlCol="false" tIns="0" lIns="0" bIns="0" rIns="0">
+          <a:bodyPr lIns="0" tIns="0" rIns="0" bIns="0" rtlCol="0" anchor="t">
             <a:spAutoFit/>
           </a:bodyPr>
           <a:lstStyle/>
           <a:p>
-            <a:pPr algn="l" marL="0" indent="0" lvl="0">
+            <a:pPr marL="0" lvl="0" indent="0" algn="l">
               <a:lnSpc>
                 <a:spcPts val="8959"/>
               </a:lnSpc>
@@ -5437,7 +5445,7 @@
               </a:spcBef>
             </a:pPr>
             <a:r>
-              <a:rPr lang="en-US" b="true" sz="6399" i="true">
+              <a:rPr lang="en-US" sz="6399" b="1" i="1">
                 <a:solidFill>
                   <a:srgbClr val="0F4662"/>
                 </a:solidFill>
@@ -5460,13 +5468,14 @@
 </file>
 
 <file path=ppt/slides/slide5.xml><?xml version="1.0" encoding="utf-8"?>
-<p:sld xmlns:p="http://schemas.openxmlformats.org/presentationml/2006/main" xmlns:a="http://schemas.openxmlformats.org/drawingml/2006/main">
+<p:sld xmlns:a="http://schemas.openxmlformats.org/drawingml/2006/main" xmlns:r="http://schemas.openxmlformats.org/officeDocument/2006/relationships" xmlns:p="http://schemas.openxmlformats.org/presentationml/2006/main">
   <p:cSld>
     <p:bg>
       <p:bgPr>
         <a:solidFill>
           <a:srgbClr val="F8F8F8"/>
         </a:solidFill>
+        <a:effectLst/>
       </p:bgPr>
     </p:bg>
     <p:spTree>
@@ -5485,12 +5494,12 @@
       </p:grpSpPr>
       <p:grpSp>
         <p:nvGrpSpPr>
-          <p:cNvPr name="Group 2" id="2"/>
+          <p:cNvPr id="2" name="Group 2"/>
           <p:cNvGrpSpPr/>
           <p:nvPr/>
         </p:nvGrpSpPr>
         <p:grpSpPr>
-          <a:xfrm rot="0">
+          <a:xfrm>
             <a:off x="0" y="0"/>
             <a:ext cx="18288000" cy="1463743"/>
             <a:chOff x="0" y="0"/>
@@ -5499,12 +5508,12 @@
         </p:grpSpPr>
         <p:sp>
           <p:nvSpPr>
-            <p:cNvPr name="Freeform 3" id="3"/>
+            <p:cNvPr id="3" name="Freeform 3"/>
             <p:cNvSpPr/>
             <p:nvPr/>
           </p:nvSpPr>
           <p:spPr>
-            <a:xfrm flipH="false" flipV="false" rot="0">
+            <a:xfrm>
               <a:off x="0" y="0"/>
               <a:ext cx="4816592" cy="385513"/>
             </a:xfrm>
@@ -5513,9 +5522,9 @@
               <a:gdLst/>
               <a:ahLst/>
               <a:cxnLst/>
-              <a:rect r="r" b="b" t="t" l="l"/>
+              <a:rect l="l" t="t" r="r" b="b"/>
               <a:pathLst>
-                <a:path h="385513" w="4816592">
+                <a:path w="4816592" h="385513">
                   <a:moveTo>
                     <a:pt x="0" y="0"/>
                   </a:moveTo>
@@ -5539,8 +5548,8 @@
         </p:sp>
         <p:sp>
           <p:nvSpPr>
-            <p:cNvPr name="TextBox 4" id="4"/>
-            <p:cNvSpPr txBox="true"/>
+            <p:cNvPr id="4" name="TextBox 4"/>
+            <p:cNvSpPr txBox="1"/>
             <p:nvPr/>
           </p:nvSpPr>
           <p:spPr>
@@ -5553,7 +5562,7 @@
             </a:prstGeom>
           </p:spPr>
           <p:txBody>
-            <a:bodyPr anchor="ctr" rtlCol="false" tIns="50800" lIns="50800" bIns="50800" rIns="50800"/>
+            <a:bodyPr lIns="50800" tIns="50800" rIns="50800" bIns="50800" rtlCol="0" anchor="ctr"/>
             <a:lstStyle/>
             <a:p>
               <a:pPr algn="ctr">
@@ -5561,18 +5570,19 @@
                   <a:spcPts val="3693"/>
                 </a:lnSpc>
               </a:pPr>
+              <a:endParaRPr/>
             </a:p>
           </p:txBody>
         </p:sp>
       </p:grpSp>
       <p:sp>
         <p:nvSpPr>
-          <p:cNvPr name="TextBox 5" id="5"/>
-          <p:cNvSpPr txBox="true"/>
-          <p:nvPr/>
-        </p:nvSpPr>
-        <p:spPr>
-          <a:xfrm rot="0">
+          <p:cNvPr id="5" name="TextBox 5"/>
+          <p:cNvSpPr txBox="1"/>
+          <p:nvPr/>
+        </p:nvSpPr>
+        <p:spPr>
+          <a:xfrm>
             <a:off x="248781" y="132114"/>
             <a:ext cx="6623484" cy="1085215"/>
           </a:xfrm>
@@ -5581,12 +5591,12 @@
           </a:prstGeom>
         </p:spPr>
         <p:txBody>
-          <a:bodyPr anchor="t" rtlCol="false" tIns="0" lIns="0" bIns="0" rIns="0">
+          <a:bodyPr lIns="0" tIns="0" rIns="0" bIns="0" rtlCol="0" anchor="t">
             <a:spAutoFit/>
           </a:bodyPr>
           <a:lstStyle/>
           <a:p>
-            <a:pPr algn="l" marL="0" indent="0" lvl="0">
+            <a:pPr marL="0" lvl="0" indent="0" algn="l">
               <a:lnSpc>
                 <a:spcPts val="8959"/>
               </a:lnSpc>
@@ -5595,7 +5605,7 @@
               </a:spcBef>
             </a:pPr>
             <a:r>
-              <a:rPr lang="en-US" b="true" sz="6399" i="true">
+              <a:rPr lang="en-US" sz="6399" b="1" i="1">
                 <a:solidFill>
                   <a:srgbClr val="0F4662"/>
                 </a:solidFill>
@@ -5611,12 +5621,12 @@
       </p:sp>
       <p:sp>
         <p:nvSpPr>
-          <p:cNvPr name="TextBox 6" id="6"/>
-          <p:cNvSpPr txBox="true"/>
-          <p:nvPr/>
-        </p:nvSpPr>
-        <p:spPr>
-          <a:xfrm rot="0">
+          <p:cNvPr id="6" name="TextBox 6"/>
+          <p:cNvSpPr txBox="1"/>
+          <p:nvPr/>
+        </p:nvSpPr>
+        <p:spPr>
+          <a:xfrm>
             <a:off x="537317" y="1505393"/>
             <a:ext cx="3660323" cy="518255"/>
           </a:xfrm>
@@ -5625,7 +5635,7 @@
           </a:prstGeom>
         </p:spPr>
         <p:txBody>
-          <a:bodyPr anchor="t" rtlCol="false" tIns="0" lIns="0" bIns="0" rIns="0">
+          <a:bodyPr lIns="0" tIns="0" rIns="0" bIns="0" rtlCol="0" anchor="t">
             <a:spAutoFit/>
           </a:bodyPr>
           <a:lstStyle/>
@@ -5636,7 +5646,7 @@
               </a:lnSpc>
             </a:pPr>
             <a:r>
-              <a:rPr lang="en-US" sz="2638" b="true">
+              <a:rPr lang="en-US" sz="2638" b="1">
                 <a:solidFill>
                   <a:srgbClr val="0F4662"/>
                 </a:solidFill>
@@ -5652,12 +5662,12 @@
       </p:sp>
       <p:sp>
         <p:nvSpPr>
-          <p:cNvPr name="TextBox 7" id="7"/>
-          <p:cNvSpPr txBox="true"/>
-          <p:nvPr/>
-        </p:nvSpPr>
-        <p:spPr>
-          <a:xfrm rot="0">
+          <p:cNvPr id="7" name="TextBox 7"/>
+          <p:cNvSpPr txBox="1"/>
+          <p:nvPr/>
+        </p:nvSpPr>
+        <p:spPr>
+          <a:xfrm>
             <a:off x="667299" y="2101511"/>
             <a:ext cx="4614380" cy="1514475"/>
           </a:xfrm>
@@ -5666,12 +5676,12 @@
           </a:prstGeom>
         </p:spPr>
         <p:txBody>
-          <a:bodyPr anchor="t" rtlCol="false" tIns="0" lIns="0" bIns="0" rIns="0">
+          <a:bodyPr lIns="0" tIns="0" rIns="0" bIns="0" rtlCol="0" anchor="t">
             <a:spAutoFit/>
           </a:bodyPr>
           <a:lstStyle/>
           <a:p>
-            <a:pPr algn="l" marL="518160" indent="-259080" lvl="1">
+            <a:pPr marL="518160" lvl="1" indent="-259080" algn="l">
               <a:lnSpc>
                 <a:spcPts val="4079"/>
               </a:lnSpc>
@@ -5692,7 +5702,7 @@
             </a:r>
           </a:p>
           <a:p>
-            <a:pPr algn="l" marL="518160" indent="-259080" lvl="1">
+            <a:pPr marL="518160" lvl="1" indent="-259080" algn="l">
               <a:lnSpc>
                 <a:spcPts val="4079"/>
               </a:lnSpc>
@@ -5713,7 +5723,7 @@
             </a:r>
           </a:p>
           <a:p>
-            <a:pPr algn="l" marL="518160" indent="-259080" lvl="1">
+            <a:pPr marL="518160" lvl="1" indent="-259080" algn="l">
               <a:lnSpc>
                 <a:spcPts val="4079"/>
               </a:lnSpc>
@@ -5737,12 +5747,12 @@
       </p:sp>
       <p:sp>
         <p:nvSpPr>
-          <p:cNvPr name="TextBox 8" id="8"/>
-          <p:cNvSpPr txBox="true"/>
-          <p:nvPr/>
-        </p:nvSpPr>
-        <p:spPr>
-          <a:xfrm rot="0">
+          <p:cNvPr id="8" name="TextBox 8"/>
+          <p:cNvSpPr txBox="1"/>
+          <p:nvPr/>
+        </p:nvSpPr>
+        <p:spPr>
+          <a:xfrm>
             <a:off x="667299" y="4501811"/>
             <a:ext cx="4614380" cy="2028825"/>
           </a:xfrm>
@@ -5751,12 +5761,12 @@
           </a:prstGeom>
         </p:spPr>
         <p:txBody>
-          <a:bodyPr anchor="t" rtlCol="false" tIns="0" lIns="0" bIns="0" rIns="0">
+          <a:bodyPr lIns="0" tIns="0" rIns="0" bIns="0" rtlCol="0" anchor="t">
             <a:spAutoFit/>
           </a:bodyPr>
           <a:lstStyle/>
           <a:p>
-            <a:pPr algn="l" marL="518160" indent="-259080" lvl="1">
+            <a:pPr marL="518160" lvl="1" indent="-259080" algn="l">
               <a:lnSpc>
                 <a:spcPts val="4079"/>
               </a:lnSpc>
@@ -5777,7 +5787,7 @@
             </a:r>
           </a:p>
           <a:p>
-            <a:pPr algn="l" marL="1036320" indent="-345440" lvl="2">
+            <a:pPr marL="1036320" lvl="2" indent="-345440" algn="l">
               <a:lnSpc>
                 <a:spcPts val="4079"/>
               </a:lnSpc>
@@ -5798,7 +5808,7 @@
             </a:r>
           </a:p>
           <a:p>
-            <a:pPr algn="l" marL="1036320" indent="-345440" lvl="2">
+            <a:pPr marL="1036320" lvl="2" indent="-345440" algn="l">
               <a:lnSpc>
                 <a:spcPts val="4079"/>
               </a:lnSpc>
@@ -5819,7 +5829,7 @@
             </a:r>
           </a:p>
           <a:p>
-            <a:pPr algn="l" marL="1036320" indent="-345440" lvl="2">
+            <a:pPr marL="1036320" lvl="2" indent="-345440" algn="l">
               <a:lnSpc>
                 <a:spcPts val="4079"/>
               </a:lnSpc>
@@ -5843,12 +5853,12 @@
       </p:sp>
       <p:sp>
         <p:nvSpPr>
-          <p:cNvPr name="TextBox 9" id="9"/>
-          <p:cNvSpPr txBox="true"/>
-          <p:nvPr/>
-        </p:nvSpPr>
-        <p:spPr>
-          <a:xfrm rot="0">
+          <p:cNvPr id="9" name="TextBox 9"/>
+          <p:cNvSpPr txBox="1"/>
+          <p:nvPr/>
+        </p:nvSpPr>
+        <p:spPr>
+          <a:xfrm>
             <a:off x="5467367" y="1505393"/>
             <a:ext cx="4347370" cy="518255"/>
           </a:xfrm>
@@ -5857,7 +5867,7 @@
           </a:prstGeom>
         </p:spPr>
         <p:txBody>
-          <a:bodyPr anchor="t" rtlCol="false" tIns="0" lIns="0" bIns="0" rIns="0">
+          <a:bodyPr lIns="0" tIns="0" rIns="0" bIns="0" rtlCol="0" anchor="t">
             <a:spAutoFit/>
           </a:bodyPr>
           <a:lstStyle/>
@@ -5868,7 +5878,7 @@
               </a:lnSpc>
             </a:pPr>
             <a:r>
-              <a:rPr lang="en-US" sz="2638" b="true">
+              <a:rPr lang="en-US" sz="2638" b="1">
                 <a:solidFill>
                   <a:srgbClr val="0F4662"/>
                 </a:solidFill>
@@ -5884,12 +5894,12 @@
       </p:sp>
       <p:sp>
         <p:nvSpPr>
-          <p:cNvPr name="TextBox 10" id="10"/>
-          <p:cNvSpPr txBox="true"/>
-          <p:nvPr/>
-        </p:nvSpPr>
-        <p:spPr>
-          <a:xfrm rot="0">
+          <p:cNvPr id="10" name="TextBox 10"/>
+          <p:cNvSpPr txBox="1"/>
+          <p:nvPr/>
+        </p:nvSpPr>
+        <p:spPr>
+          <a:xfrm>
             <a:off x="5666170" y="2061747"/>
             <a:ext cx="4614380" cy="2543175"/>
           </a:xfrm>
@@ -5898,12 +5908,12 @@
           </a:prstGeom>
         </p:spPr>
         <p:txBody>
-          <a:bodyPr anchor="t" rtlCol="false" tIns="0" lIns="0" bIns="0" rIns="0">
+          <a:bodyPr lIns="0" tIns="0" rIns="0" bIns="0" rtlCol="0" anchor="t">
             <a:spAutoFit/>
           </a:bodyPr>
           <a:lstStyle/>
           <a:p>
-            <a:pPr algn="l" marL="518160" indent="-259080" lvl="1">
+            <a:pPr marL="518160" lvl="1" indent="-259080" algn="l">
               <a:lnSpc>
                 <a:spcPts val="4079"/>
               </a:lnSpc>
@@ -5924,7 +5934,7 @@
             </a:r>
           </a:p>
           <a:p>
-            <a:pPr algn="l" marL="1036320" indent="-345440" lvl="2">
+            <a:pPr marL="1036320" lvl="2" indent="-345440" algn="l">
               <a:lnSpc>
                 <a:spcPts val="4079"/>
               </a:lnSpc>
@@ -5945,7 +5955,7 @@
             </a:r>
           </a:p>
           <a:p>
-            <a:pPr algn="l" marL="1036320" indent="-345440" lvl="2">
+            <a:pPr marL="1036320" lvl="2" indent="-345440" algn="l">
               <a:lnSpc>
                 <a:spcPts val="4079"/>
               </a:lnSpc>
@@ -5966,7 +5976,7 @@
             </a:r>
           </a:p>
           <a:p>
-            <a:pPr algn="l" marL="1036320" indent="-345440" lvl="2">
+            <a:pPr marL="1036320" lvl="2" indent="-345440" algn="l">
               <a:lnSpc>
                 <a:spcPts val="4079"/>
               </a:lnSpc>
@@ -5987,7 +5997,7 @@
             </a:r>
           </a:p>
           <a:p>
-            <a:pPr algn="l" marL="1036320" indent="-345440" lvl="2">
+            <a:pPr marL="1036320" lvl="2" indent="-345440" algn="l">
               <a:lnSpc>
                 <a:spcPts val="4079"/>
               </a:lnSpc>
@@ -6011,12 +6021,12 @@
       </p:sp>
       <p:sp>
         <p:nvSpPr>
-          <p:cNvPr name="TextBox 11" id="11"/>
-          <p:cNvSpPr txBox="true"/>
-          <p:nvPr/>
-        </p:nvSpPr>
-        <p:spPr>
-          <a:xfrm rot="0">
+          <p:cNvPr id="11" name="TextBox 11"/>
+          <p:cNvSpPr txBox="1"/>
+          <p:nvPr/>
+        </p:nvSpPr>
+        <p:spPr>
+          <a:xfrm>
             <a:off x="11322957" y="1505393"/>
             <a:ext cx="4347370" cy="518255"/>
           </a:xfrm>
@@ -6025,7 +6035,7 @@
           </a:prstGeom>
         </p:spPr>
         <p:txBody>
-          <a:bodyPr anchor="t" rtlCol="false" tIns="0" lIns="0" bIns="0" rIns="0">
+          <a:bodyPr lIns="0" tIns="0" rIns="0" bIns="0" rtlCol="0" anchor="t">
             <a:spAutoFit/>
           </a:bodyPr>
           <a:lstStyle/>
@@ -6036,7 +6046,7 @@
               </a:lnSpc>
             </a:pPr>
             <a:r>
-              <a:rPr lang="en-US" sz="2638" b="true">
+              <a:rPr lang="en-US" sz="2638" b="1">
                 <a:solidFill>
                   <a:srgbClr val="0F4662"/>
                 </a:solidFill>
@@ -6052,12 +6062,12 @@
       </p:sp>
       <p:sp>
         <p:nvSpPr>
-          <p:cNvPr name="TextBox 12" id="12"/>
-          <p:cNvSpPr txBox="true"/>
-          <p:nvPr/>
-        </p:nvSpPr>
-        <p:spPr>
-          <a:xfrm rot="0">
+          <p:cNvPr id="12" name="TextBox 12"/>
+          <p:cNvSpPr txBox="1"/>
+          <p:nvPr/>
+        </p:nvSpPr>
+        <p:spPr>
+          <a:xfrm>
             <a:off x="11537777" y="2061747"/>
             <a:ext cx="4614380" cy="1514475"/>
           </a:xfrm>
@@ -6066,12 +6076,12 @@
           </a:prstGeom>
         </p:spPr>
         <p:txBody>
-          <a:bodyPr anchor="t" rtlCol="false" tIns="0" lIns="0" bIns="0" rIns="0">
+          <a:bodyPr lIns="0" tIns="0" rIns="0" bIns="0" rtlCol="0" anchor="t">
             <a:spAutoFit/>
           </a:bodyPr>
           <a:lstStyle/>
           <a:p>
-            <a:pPr algn="l" marL="518160" indent="-259080" lvl="1">
+            <a:pPr marL="518160" lvl="1" indent="-259080" algn="l">
               <a:lnSpc>
                 <a:spcPts val="4079"/>
               </a:lnSpc>
@@ -6092,7 +6102,7 @@
             </a:r>
           </a:p>
           <a:p>
-            <a:pPr algn="l" marL="518160" indent="-259080" lvl="1">
+            <a:pPr marL="518160" lvl="1" indent="-259080" algn="l">
               <a:lnSpc>
                 <a:spcPts val="4079"/>
               </a:lnSpc>
@@ -6113,7 +6123,7 @@
             </a:r>
           </a:p>
           <a:p>
-            <a:pPr algn="l" marL="518160" indent="-259080" lvl="1">
+            <a:pPr marL="518160" lvl="1" indent="-259080" algn="l">
               <a:lnSpc>
                 <a:spcPts val="4079"/>
               </a:lnSpc>
@@ -6137,12 +6147,12 @@
       </p:sp>
       <p:sp>
         <p:nvSpPr>
-          <p:cNvPr name="TextBox 13" id="13"/>
-          <p:cNvSpPr txBox="true"/>
-          <p:nvPr/>
-        </p:nvSpPr>
-        <p:spPr>
-          <a:xfrm rot="0">
+          <p:cNvPr id="13" name="TextBox 13"/>
+          <p:cNvSpPr txBox="1"/>
+          <p:nvPr/>
+        </p:nvSpPr>
+        <p:spPr>
+          <a:xfrm>
             <a:off x="11322957" y="3882430"/>
             <a:ext cx="4347370" cy="518255"/>
           </a:xfrm>
@@ -6151,7 +6161,7 @@
           </a:prstGeom>
         </p:spPr>
         <p:txBody>
-          <a:bodyPr anchor="t" rtlCol="false" tIns="0" lIns="0" bIns="0" rIns="0">
+          <a:bodyPr lIns="0" tIns="0" rIns="0" bIns="0" rtlCol="0" anchor="t">
             <a:spAutoFit/>
           </a:bodyPr>
           <a:lstStyle/>
@@ -6162,7 +6172,7 @@
               </a:lnSpc>
             </a:pPr>
             <a:r>
-              <a:rPr lang="en-US" sz="2638" b="true">
+              <a:rPr lang="en-US" sz="2638" b="1">
                 <a:solidFill>
                   <a:srgbClr val="0F4662"/>
                 </a:solidFill>
@@ -6178,12 +6188,12 @@
       </p:sp>
       <p:sp>
         <p:nvSpPr>
-          <p:cNvPr name="TextBox 14" id="14"/>
-          <p:cNvSpPr txBox="true"/>
-          <p:nvPr/>
-        </p:nvSpPr>
-        <p:spPr>
-          <a:xfrm rot="0">
+          <p:cNvPr id="14" name="TextBox 14"/>
+          <p:cNvSpPr txBox="1"/>
+          <p:nvPr/>
+        </p:nvSpPr>
+        <p:spPr>
+          <a:xfrm>
             <a:off x="11537777" y="4705485"/>
             <a:ext cx="4614380" cy="2028825"/>
           </a:xfrm>
@@ -6192,12 +6202,12 @@
           </a:prstGeom>
         </p:spPr>
         <p:txBody>
-          <a:bodyPr anchor="t" rtlCol="false" tIns="0" lIns="0" bIns="0" rIns="0">
+          <a:bodyPr lIns="0" tIns="0" rIns="0" bIns="0" rtlCol="0" anchor="t">
             <a:spAutoFit/>
           </a:bodyPr>
           <a:lstStyle/>
           <a:p>
-            <a:pPr algn="l" marL="518160" indent="-259080" lvl="1">
+            <a:pPr marL="518160" lvl="1" indent="-259080" algn="l">
               <a:lnSpc>
                 <a:spcPts val="4079"/>
               </a:lnSpc>
@@ -6218,7 +6228,7 @@
             </a:r>
           </a:p>
           <a:p>
-            <a:pPr algn="l" marL="518160" indent="-259080" lvl="1">
+            <a:pPr marL="518160" lvl="1" indent="-259080" algn="l">
               <a:lnSpc>
                 <a:spcPts val="4079"/>
               </a:lnSpc>
@@ -6239,7 +6249,7 @@
             </a:r>
           </a:p>
           <a:p>
-            <a:pPr algn="l" marL="518160" indent="-259080" lvl="1">
+            <a:pPr marL="518160" lvl="1" indent="-259080" algn="l">
               <a:lnSpc>
                 <a:spcPts val="4079"/>
               </a:lnSpc>
@@ -6260,7 +6270,7 @@
             </a:r>
           </a:p>
           <a:p>
-            <a:pPr algn="l" marL="518160" indent="-259080" lvl="1">
+            <a:pPr marL="518160" lvl="1" indent="-259080" algn="l">
               <a:lnSpc>
                 <a:spcPts val="4079"/>
               </a:lnSpc>
@@ -6291,13 +6301,14 @@
 </file>
 
 <file path=ppt/slides/slide6.xml><?xml version="1.0" encoding="utf-8"?>
-<p:sld xmlns:p="http://schemas.openxmlformats.org/presentationml/2006/main" xmlns:a="http://schemas.openxmlformats.org/drawingml/2006/main" xmlns:r="http://schemas.openxmlformats.org/officeDocument/2006/relationships">
+<p:sld xmlns:a="http://schemas.openxmlformats.org/drawingml/2006/main" xmlns:r="http://schemas.openxmlformats.org/officeDocument/2006/relationships" xmlns:p="http://schemas.openxmlformats.org/presentationml/2006/main">
   <p:cSld>
     <p:bg>
       <p:bgPr>
         <a:solidFill>
           <a:srgbClr val="F8F8F8"/>
         </a:solidFill>
+        <a:effectLst/>
       </p:bgPr>
     </p:bg>
     <p:spTree>
@@ -6316,12 +6327,12 @@
       </p:grpSpPr>
       <p:grpSp>
         <p:nvGrpSpPr>
-          <p:cNvPr name="Group 2" id="2"/>
+          <p:cNvPr id="2" name="Group 2"/>
           <p:cNvGrpSpPr/>
           <p:nvPr/>
         </p:nvGrpSpPr>
         <p:grpSpPr>
-          <a:xfrm rot="0">
+          <a:xfrm>
             <a:off x="0" y="0"/>
             <a:ext cx="18288000" cy="1463743"/>
             <a:chOff x="0" y="0"/>
@@ -6330,12 +6341,12 @@
         </p:grpSpPr>
         <p:sp>
           <p:nvSpPr>
-            <p:cNvPr name="Freeform 3" id="3"/>
+            <p:cNvPr id="3" name="Freeform 3"/>
             <p:cNvSpPr/>
             <p:nvPr/>
           </p:nvSpPr>
           <p:spPr>
-            <a:xfrm flipH="false" flipV="false" rot="0">
+            <a:xfrm>
               <a:off x="0" y="0"/>
               <a:ext cx="4816592" cy="385513"/>
             </a:xfrm>
@@ -6344,9 +6355,9 @@
               <a:gdLst/>
               <a:ahLst/>
               <a:cxnLst/>
-              <a:rect r="r" b="b" t="t" l="l"/>
+              <a:rect l="l" t="t" r="r" b="b"/>
               <a:pathLst>
-                <a:path h="385513" w="4816592">
+                <a:path w="4816592" h="385513">
                   <a:moveTo>
                     <a:pt x="0" y="0"/>
                   </a:moveTo>
@@ -6370,8 +6381,8 @@
         </p:sp>
         <p:sp>
           <p:nvSpPr>
-            <p:cNvPr name="TextBox 4" id="4"/>
-            <p:cNvSpPr txBox="true"/>
+            <p:cNvPr id="4" name="TextBox 4"/>
+            <p:cNvSpPr txBox="1"/>
             <p:nvPr/>
           </p:nvSpPr>
           <p:spPr>
@@ -6384,7 +6395,7 @@
             </a:prstGeom>
           </p:spPr>
           <p:txBody>
-            <a:bodyPr anchor="ctr" rtlCol="false" tIns="50800" lIns="50800" bIns="50800" rIns="50800"/>
+            <a:bodyPr lIns="50800" tIns="50800" rIns="50800" bIns="50800" rtlCol="0" anchor="ctr"/>
             <a:lstStyle/>
             <a:p>
               <a:pPr algn="ctr">
@@ -6392,18 +6403,19 @@
                   <a:spcPts val="3693"/>
                 </a:lnSpc>
               </a:pPr>
+              <a:endParaRPr/>
             </a:p>
           </p:txBody>
         </p:sp>
       </p:grpSp>
       <p:sp>
         <p:nvSpPr>
-          <p:cNvPr name="Freeform 5" id="5"/>
+          <p:cNvPr id="5" name="Freeform 5"/>
           <p:cNvSpPr/>
           <p:nvPr/>
         </p:nvSpPr>
         <p:spPr>
-          <a:xfrm flipH="false" flipV="false" rot="0">
+          <a:xfrm>
             <a:off x="15387798" y="8259904"/>
             <a:ext cx="2900202" cy="1996792"/>
           </a:xfrm>
@@ -6412,9 +6424,9 @@
             <a:gdLst/>
             <a:ahLst/>
             <a:cxnLst/>
-            <a:rect r="r" b="b" t="t" l="l"/>
+            <a:rect l="l" t="t" r="r" b="b"/>
             <a:pathLst>
-              <a:path h="1996792" w="2900202">
+              <a:path w="2900202" h="1996792">
                 <a:moveTo>
                   <a:pt x="0" y="0"/>
                 </a:moveTo>
@@ -6443,19 +6455,19 @@
               </a:extLst>
             </a:blip>
             <a:stretch>
-              <a:fillRect l="0" t="0" r="0" b="0"/>
+              <a:fillRect/>
             </a:stretch>
           </a:blipFill>
         </p:spPr>
       </p:sp>
       <p:sp>
         <p:nvSpPr>
-          <p:cNvPr name="Freeform 6" id="6"/>
+          <p:cNvPr id="6" name="Freeform 6"/>
           <p:cNvSpPr/>
           <p:nvPr/>
         </p:nvSpPr>
         <p:spPr>
-          <a:xfrm flipH="false" flipV="false" rot="0">
+          <a:xfrm>
             <a:off x="16837899" y="8005398"/>
             <a:ext cx="958822" cy="959775"/>
           </a:xfrm>
@@ -6464,9 +6476,9 @@
             <a:gdLst/>
             <a:ahLst/>
             <a:cxnLst/>
-            <a:rect r="r" b="b" t="t" l="l"/>
+            <a:rect l="l" t="t" r="r" b="b"/>
             <a:pathLst>
-              <a:path h="959775" w="958822">
+              <a:path w="958822" h="959775">
                 <a:moveTo>
                   <a:pt x="0" y="0"/>
                 </a:moveTo>
@@ -6495,19 +6507,19 @@
               </a:extLst>
             </a:blip>
             <a:stretch>
-              <a:fillRect l="0" t="0" r="0" b="0"/>
+              <a:fillRect/>
             </a:stretch>
           </a:blipFill>
         </p:spPr>
       </p:sp>
       <p:sp>
         <p:nvSpPr>
-          <p:cNvPr name="TextBox 7" id="7"/>
-          <p:cNvSpPr txBox="true"/>
-          <p:nvPr/>
-        </p:nvSpPr>
-        <p:spPr>
-          <a:xfrm rot="0">
+          <p:cNvPr id="7" name="TextBox 7"/>
+          <p:cNvSpPr txBox="1"/>
+          <p:nvPr/>
+        </p:nvSpPr>
+        <p:spPr>
+          <a:xfrm>
             <a:off x="248781" y="132114"/>
             <a:ext cx="12064158" cy="1085215"/>
           </a:xfrm>
@@ -6516,12 +6528,12 @@
           </a:prstGeom>
         </p:spPr>
         <p:txBody>
-          <a:bodyPr anchor="t" rtlCol="false" tIns="0" lIns="0" bIns="0" rIns="0">
+          <a:bodyPr lIns="0" tIns="0" rIns="0" bIns="0" rtlCol="0" anchor="t">
             <a:spAutoFit/>
           </a:bodyPr>
           <a:lstStyle/>
           <a:p>
-            <a:pPr algn="l" marL="0" indent="0" lvl="0">
+            <a:pPr marL="0" lvl="0" indent="0" algn="l">
               <a:lnSpc>
                 <a:spcPts val="8959"/>
               </a:lnSpc>
@@ -6530,7 +6542,7 @@
               </a:spcBef>
             </a:pPr>
             <a:r>
-              <a:rPr lang="en-US" b="true" sz="6399" i="true">
+              <a:rPr lang="en-US" sz="6399" b="1" i="1">
                 <a:solidFill>
                   <a:srgbClr val="0F4662"/>
                 </a:solidFill>
@@ -6546,12 +6558,12 @@
       </p:sp>
       <p:sp>
         <p:nvSpPr>
-          <p:cNvPr name="TextBox 8" id="8"/>
-          <p:cNvSpPr txBox="true"/>
-          <p:nvPr/>
-        </p:nvSpPr>
-        <p:spPr>
-          <a:xfrm rot="0">
+          <p:cNvPr id="8" name="TextBox 8"/>
+          <p:cNvSpPr txBox="1"/>
+          <p:nvPr/>
+        </p:nvSpPr>
+        <p:spPr>
+          <a:xfrm>
             <a:off x="537317" y="2135771"/>
             <a:ext cx="7587247" cy="5346716"/>
           </a:xfrm>
@@ -6560,12 +6572,12 @@
           </a:prstGeom>
         </p:spPr>
         <p:txBody>
-          <a:bodyPr anchor="t" rtlCol="false" tIns="0" lIns="0" bIns="0" rIns="0">
+          <a:bodyPr lIns="0" tIns="0" rIns="0" bIns="0" rtlCol="0" anchor="t">
             <a:spAutoFit/>
           </a:bodyPr>
           <a:lstStyle/>
           <a:p>
-            <a:pPr algn="l" marL="783533" indent="-391767" lvl="1">
+            <a:pPr marL="783533" lvl="1" indent="-391767" algn="l">
               <a:lnSpc>
                 <a:spcPts val="6169"/>
               </a:lnSpc>
@@ -6586,7 +6598,7 @@
             </a:r>
           </a:p>
           <a:p>
-            <a:pPr algn="l" marL="783533" indent="-391767" lvl="1">
+            <a:pPr marL="783533" lvl="1" indent="-391767" algn="l">
               <a:lnSpc>
                 <a:spcPts val="6169"/>
               </a:lnSpc>
@@ -6607,7 +6619,7 @@
             </a:r>
           </a:p>
           <a:p>
-            <a:pPr algn="l" marL="783533" indent="-391767" lvl="1">
+            <a:pPr marL="783533" lvl="1" indent="-391767" algn="l">
               <a:lnSpc>
                 <a:spcPts val="6169"/>
               </a:lnSpc>
@@ -6628,7 +6640,7 @@
             </a:r>
           </a:p>
           <a:p>
-            <a:pPr algn="l" marL="783533" indent="-391767" lvl="1">
+            <a:pPr marL="783533" lvl="1" indent="-391767" algn="l">
               <a:lnSpc>
                 <a:spcPts val="6169"/>
               </a:lnSpc>
@@ -6649,7 +6661,7 @@
             </a:r>
           </a:p>
           <a:p>
-            <a:pPr algn="l" marL="783533" indent="-391767" lvl="1">
+            <a:pPr marL="783533" lvl="1" indent="-391767" algn="l">
               <a:lnSpc>
                 <a:spcPts val="6169"/>
               </a:lnSpc>
@@ -6670,7 +6682,7 @@
             </a:r>
           </a:p>
           <a:p>
-            <a:pPr algn="l" marL="783533" indent="-391767" lvl="1">
+            <a:pPr marL="783533" lvl="1" indent="-391767" algn="l">
               <a:lnSpc>
                 <a:spcPts val="6169"/>
               </a:lnSpc>
@@ -6696,17 +6708,26 @@
                 <a:spcPts val="6169"/>
               </a:lnSpc>
             </a:pPr>
-          </a:p>
-        </p:txBody>
-      </p:sp>
-      <p:sp>
-        <p:nvSpPr>
-          <p:cNvPr name="TextBox 9" id="9"/>
-          <p:cNvSpPr txBox="true"/>
-          <p:nvPr/>
-        </p:nvSpPr>
-        <p:spPr>
-          <a:xfrm rot="0">
+            <a:endParaRPr lang="en-US" sz="3629">
+              <a:solidFill>
+                <a:srgbClr val="0F4662"/>
+              </a:solidFill>
+              <a:latin typeface="Quicksand"/>
+              <a:ea typeface="Quicksand"/>
+              <a:cs typeface="Quicksand"/>
+              <a:sym typeface="Quicksand"/>
+            </a:endParaRPr>
+          </a:p>
+        </p:txBody>
+      </p:sp>
+      <p:sp>
+        <p:nvSpPr>
+          <p:cNvPr id="9" name="TextBox 9"/>
+          <p:cNvSpPr txBox="1"/>
+          <p:nvPr/>
+        </p:nvSpPr>
+        <p:spPr>
+          <a:xfrm>
             <a:off x="9014167" y="2135771"/>
             <a:ext cx="7587247" cy="3799504"/>
           </a:xfrm>
@@ -6715,12 +6736,12 @@
           </a:prstGeom>
         </p:spPr>
         <p:txBody>
-          <a:bodyPr anchor="t" rtlCol="false" tIns="0" lIns="0" bIns="0" rIns="0">
+          <a:bodyPr lIns="0" tIns="0" rIns="0" bIns="0" rtlCol="0" anchor="t">
             <a:spAutoFit/>
           </a:bodyPr>
           <a:lstStyle/>
           <a:p>
-            <a:pPr algn="l" marL="783533" indent="-391767" lvl="1">
+            <a:pPr marL="783533" lvl="1" indent="-391767" algn="l">
               <a:lnSpc>
                 <a:spcPts val="6169"/>
               </a:lnSpc>
@@ -6741,7 +6762,7 @@
             </a:r>
           </a:p>
           <a:p>
-            <a:pPr algn="l" marL="783533" indent="-391767" lvl="1">
+            <a:pPr marL="783533" lvl="1" indent="-391767" algn="l">
               <a:lnSpc>
                 <a:spcPts val="6169"/>
               </a:lnSpc>
@@ -6762,7 +6783,7 @@
             </a:r>
           </a:p>
           <a:p>
-            <a:pPr algn="l" marL="783533" indent="-391767" lvl="1">
+            <a:pPr marL="783533" lvl="1" indent="-391767" algn="l">
               <a:lnSpc>
                 <a:spcPts val="6169"/>
               </a:lnSpc>
@@ -6783,7 +6804,7 @@
             </a:r>
           </a:p>
           <a:p>
-            <a:pPr algn="l" marL="783533" indent="-391767" lvl="1">
+            <a:pPr marL="783533" lvl="1" indent="-391767" algn="l">
               <a:lnSpc>
                 <a:spcPts val="6169"/>
               </a:lnSpc>
@@ -6809,17 +6830,26 @@
                 <a:spcPts val="6169"/>
               </a:lnSpc>
             </a:pPr>
-          </a:p>
-        </p:txBody>
-      </p:sp>
-      <p:sp>
-        <p:nvSpPr>
-          <p:cNvPr name="TextBox 10" id="10"/>
-          <p:cNvSpPr txBox="true"/>
-          <p:nvPr/>
-        </p:nvSpPr>
-        <p:spPr>
-          <a:xfrm rot="0">
+            <a:endParaRPr lang="en-US" sz="3629">
+              <a:solidFill>
+                <a:srgbClr val="0F4662"/>
+              </a:solidFill>
+              <a:latin typeface="Quicksand"/>
+              <a:ea typeface="Quicksand"/>
+              <a:cs typeface="Quicksand"/>
+              <a:sym typeface="Quicksand"/>
+            </a:endParaRPr>
+          </a:p>
+        </p:txBody>
+      </p:sp>
+      <p:sp>
+        <p:nvSpPr>
+          <p:cNvPr id="10" name="TextBox 10"/>
+          <p:cNvSpPr txBox="1"/>
+          <p:nvPr/>
+        </p:nvSpPr>
+        <p:spPr>
+          <a:xfrm>
             <a:off x="9144000" y="5501773"/>
             <a:ext cx="7587247" cy="705080"/>
           </a:xfrm>
@@ -6828,12 +6858,12 @@
           </a:prstGeom>
         </p:spPr>
         <p:txBody>
-          <a:bodyPr anchor="t" rtlCol="false" tIns="0" lIns="0" bIns="0" rIns="0">
+          <a:bodyPr lIns="0" tIns="0" rIns="0" bIns="0" rtlCol="0" anchor="t">
             <a:spAutoFit/>
           </a:bodyPr>
           <a:lstStyle/>
           <a:p>
-            <a:pPr algn="l" marL="783533" indent="-391767" lvl="1">
+            <a:pPr marL="783533" lvl="1" indent="-391767" algn="l">
               <a:lnSpc>
                 <a:spcPts val="6169"/>
               </a:lnSpc>
@@ -6864,13 +6894,14 @@
 </file>
 
 <file path=ppt/slides/slide7.xml><?xml version="1.0" encoding="utf-8"?>
-<p:sld xmlns:p="http://schemas.openxmlformats.org/presentationml/2006/main" xmlns:a="http://schemas.openxmlformats.org/drawingml/2006/main" xmlns:r="http://schemas.openxmlformats.org/officeDocument/2006/relationships">
+<p:sld xmlns:a="http://schemas.openxmlformats.org/drawingml/2006/main" xmlns:r="http://schemas.openxmlformats.org/officeDocument/2006/relationships" xmlns:p="http://schemas.openxmlformats.org/presentationml/2006/main">
   <p:cSld>
     <p:bg>
       <p:bgPr>
         <a:solidFill>
           <a:srgbClr val="F8F8F8"/>
         </a:solidFill>
+        <a:effectLst/>
       </p:bgPr>
     </p:bg>
     <p:spTree>
@@ -6889,12 +6920,12 @@
       </p:grpSpPr>
       <p:grpSp>
         <p:nvGrpSpPr>
-          <p:cNvPr name="Group 2" id="2"/>
+          <p:cNvPr id="2" name="Group 2"/>
           <p:cNvGrpSpPr/>
           <p:nvPr/>
         </p:nvGrpSpPr>
         <p:grpSpPr>
-          <a:xfrm rot="0">
+          <a:xfrm>
             <a:off x="0" y="0"/>
             <a:ext cx="18288000" cy="1463743"/>
             <a:chOff x="0" y="0"/>
@@ -6903,12 +6934,12 @@
         </p:grpSpPr>
         <p:sp>
           <p:nvSpPr>
-            <p:cNvPr name="Freeform 3" id="3"/>
+            <p:cNvPr id="3" name="Freeform 3"/>
             <p:cNvSpPr/>
             <p:nvPr/>
           </p:nvSpPr>
           <p:spPr>
-            <a:xfrm flipH="false" flipV="false" rot="0">
+            <a:xfrm>
               <a:off x="0" y="0"/>
               <a:ext cx="4816592" cy="385513"/>
             </a:xfrm>
@@ -6917,9 +6948,9 @@
               <a:gdLst/>
               <a:ahLst/>
               <a:cxnLst/>
-              <a:rect r="r" b="b" t="t" l="l"/>
+              <a:rect l="l" t="t" r="r" b="b"/>
               <a:pathLst>
-                <a:path h="385513" w="4816592">
+                <a:path w="4816592" h="385513">
                   <a:moveTo>
                     <a:pt x="0" y="0"/>
                   </a:moveTo>
@@ -6943,8 +6974,8 @@
         </p:sp>
         <p:sp>
           <p:nvSpPr>
-            <p:cNvPr name="TextBox 4" id="4"/>
-            <p:cNvSpPr txBox="true"/>
+            <p:cNvPr id="4" name="TextBox 4"/>
+            <p:cNvSpPr txBox="1"/>
             <p:nvPr/>
           </p:nvSpPr>
           <p:spPr>
@@ -6957,7 +6988,7 @@
             </a:prstGeom>
           </p:spPr>
           <p:txBody>
-            <a:bodyPr anchor="ctr" rtlCol="false" tIns="50800" lIns="50800" bIns="50800" rIns="50800"/>
+            <a:bodyPr lIns="50800" tIns="50800" rIns="50800" bIns="50800" rtlCol="0" anchor="ctr"/>
             <a:lstStyle/>
             <a:p>
               <a:pPr algn="ctr">
@@ -6965,18 +6996,19 @@
                   <a:spcPts val="3693"/>
                 </a:lnSpc>
               </a:pPr>
+              <a:endParaRPr/>
             </a:p>
           </p:txBody>
         </p:sp>
       </p:grpSp>
       <p:sp>
         <p:nvSpPr>
-          <p:cNvPr name="TextBox 5" id="5"/>
-          <p:cNvSpPr txBox="true"/>
-          <p:nvPr/>
-        </p:nvSpPr>
-        <p:spPr>
-          <a:xfrm rot="0">
+          <p:cNvPr id="5" name="TextBox 5"/>
+          <p:cNvSpPr txBox="1"/>
+          <p:nvPr/>
+        </p:nvSpPr>
+        <p:spPr>
+          <a:xfrm>
             <a:off x="248781" y="132114"/>
             <a:ext cx="12064158" cy="1085215"/>
           </a:xfrm>
@@ -6985,12 +7017,12 @@
           </a:prstGeom>
         </p:spPr>
         <p:txBody>
-          <a:bodyPr anchor="t" rtlCol="false" tIns="0" lIns="0" bIns="0" rIns="0">
+          <a:bodyPr lIns="0" tIns="0" rIns="0" bIns="0" rtlCol="0" anchor="t">
             <a:spAutoFit/>
           </a:bodyPr>
           <a:lstStyle/>
           <a:p>
-            <a:pPr algn="l" marL="0" indent="0" lvl="0">
+            <a:pPr marL="0" lvl="0" indent="0" algn="l">
               <a:lnSpc>
                 <a:spcPts val="8959"/>
               </a:lnSpc>
@@ -6999,7 +7031,7 @@
               </a:spcBef>
             </a:pPr>
             <a:r>
-              <a:rPr lang="en-US" b="true" sz="6399" i="true">
+              <a:rPr lang="en-US" sz="6399" b="1" i="1">
                 <a:solidFill>
                   <a:srgbClr val="0F4662"/>
                 </a:solidFill>
@@ -7015,12 +7047,12 @@
       </p:sp>
       <p:sp>
         <p:nvSpPr>
-          <p:cNvPr name="TextBox 6" id="6"/>
-          <p:cNvSpPr txBox="true"/>
-          <p:nvPr/>
-        </p:nvSpPr>
-        <p:spPr>
-          <a:xfrm rot="0">
+          <p:cNvPr id="6" name="TextBox 6"/>
+          <p:cNvSpPr txBox="1"/>
+          <p:nvPr/>
+        </p:nvSpPr>
+        <p:spPr>
+          <a:xfrm>
             <a:off x="671929" y="1977346"/>
             <a:ext cx="11140903" cy="1800957"/>
           </a:xfrm>
@@ -7029,12 +7061,12 @@
           </a:prstGeom>
         </p:spPr>
         <p:txBody>
-          <a:bodyPr anchor="t" rtlCol="false" tIns="0" lIns="0" bIns="0" rIns="0">
+          <a:bodyPr lIns="0" tIns="0" rIns="0" bIns="0" rtlCol="0" anchor="t">
             <a:spAutoFit/>
           </a:bodyPr>
           <a:lstStyle/>
           <a:p>
-            <a:pPr algn="l" marL="936675" indent="-468337" lvl="1">
+            <a:pPr marL="936675" lvl="1" indent="-468337" algn="l">
               <a:lnSpc>
                 <a:spcPts val="7375"/>
               </a:lnSpc>
@@ -7055,7 +7087,7 @@
             </a:r>
           </a:p>
           <a:p>
-            <a:pPr algn="l" marL="936675" indent="-468337" lvl="1">
+            <a:pPr marL="936675" lvl="1" indent="-468337" algn="l">
               <a:lnSpc>
                 <a:spcPts val="7375"/>
               </a:lnSpc>
@@ -7092,12 +7124,12 @@
       </p:sp>
       <p:sp>
         <p:nvSpPr>
-          <p:cNvPr name="TextBox 7" id="7"/>
-          <p:cNvSpPr txBox="true"/>
-          <p:nvPr/>
-        </p:nvSpPr>
-        <p:spPr>
-          <a:xfrm rot="0">
+          <p:cNvPr id="7" name="TextBox 7"/>
+          <p:cNvSpPr txBox="1"/>
+          <p:nvPr/>
+        </p:nvSpPr>
+        <p:spPr>
+          <a:xfrm>
             <a:off x="1028700" y="7196633"/>
             <a:ext cx="11140903" cy="867507"/>
           </a:xfrm>
@@ -7106,12 +7138,12 @@
           </a:prstGeom>
         </p:spPr>
         <p:txBody>
-          <a:bodyPr anchor="t" rtlCol="false" tIns="0" lIns="0" bIns="0" rIns="0">
+          <a:bodyPr lIns="0" tIns="0" rIns="0" bIns="0" rtlCol="0" anchor="t">
             <a:spAutoFit/>
           </a:bodyPr>
           <a:lstStyle/>
           <a:p>
-            <a:pPr algn="l" marL="936675" indent="-468337" lvl="1">
+            <a:pPr marL="936675" lvl="1" indent="-468337" algn="l">
               <a:lnSpc>
                 <a:spcPts val="7375"/>
               </a:lnSpc>
@@ -7135,12 +7167,12 @@
       </p:sp>
       <p:grpSp>
         <p:nvGrpSpPr>
-          <p:cNvPr name="Group 8" id="8"/>
+          <p:cNvPr id="8" name="Group 8"/>
           <p:cNvGrpSpPr/>
           <p:nvPr/>
         </p:nvGrpSpPr>
         <p:grpSpPr>
-          <a:xfrm rot="0">
+          <a:xfrm>
             <a:off x="0" y="5100750"/>
             <a:ext cx="18288000" cy="1463743"/>
             <a:chOff x="0" y="0"/>
@@ -7149,12 +7181,12 @@
         </p:grpSpPr>
         <p:sp>
           <p:nvSpPr>
-            <p:cNvPr name="Freeform 9" id="9"/>
+            <p:cNvPr id="9" name="Freeform 9"/>
             <p:cNvSpPr/>
             <p:nvPr/>
           </p:nvSpPr>
           <p:spPr>
-            <a:xfrm flipH="false" flipV="false" rot="0">
+            <a:xfrm>
               <a:off x="0" y="0"/>
               <a:ext cx="4816592" cy="385513"/>
             </a:xfrm>
@@ -7163,9 +7195,9 @@
               <a:gdLst/>
               <a:ahLst/>
               <a:cxnLst/>
-              <a:rect r="r" b="b" t="t" l="l"/>
+              <a:rect l="l" t="t" r="r" b="b"/>
               <a:pathLst>
-                <a:path h="385513" w="4816592">
+                <a:path w="4816592" h="385513">
                   <a:moveTo>
                     <a:pt x="0" y="0"/>
                   </a:moveTo>
@@ -7189,8 +7221,8 @@
         </p:sp>
         <p:sp>
           <p:nvSpPr>
-            <p:cNvPr name="TextBox 10" id="10"/>
-            <p:cNvSpPr txBox="true"/>
+            <p:cNvPr id="10" name="TextBox 10"/>
+            <p:cNvSpPr txBox="1"/>
             <p:nvPr/>
           </p:nvSpPr>
           <p:spPr>
@@ -7203,7 +7235,7 @@
             </a:prstGeom>
           </p:spPr>
           <p:txBody>
-            <a:bodyPr anchor="ctr" rtlCol="false" tIns="50800" lIns="50800" bIns="50800" rIns="50800"/>
+            <a:bodyPr lIns="50800" tIns="50800" rIns="50800" bIns="50800" rtlCol="0" anchor="ctr"/>
             <a:lstStyle/>
             <a:p>
               <a:pPr algn="ctr">
@@ -7211,18 +7243,19 @@
                   <a:spcPts val="3693"/>
                 </a:lnSpc>
               </a:pPr>
+              <a:endParaRPr/>
             </a:p>
           </p:txBody>
         </p:sp>
       </p:grpSp>
       <p:sp>
         <p:nvSpPr>
-          <p:cNvPr name="TextBox 11" id="11"/>
-          <p:cNvSpPr txBox="true"/>
-          <p:nvPr/>
-        </p:nvSpPr>
-        <p:spPr>
-          <a:xfrm rot="0">
+          <p:cNvPr id="11" name="TextBox 11"/>
+          <p:cNvSpPr txBox="1"/>
+          <p:nvPr/>
+        </p:nvSpPr>
+        <p:spPr>
+          <a:xfrm>
             <a:off x="248781" y="5232864"/>
             <a:ext cx="6814291" cy="1085215"/>
           </a:xfrm>
@@ -7231,12 +7264,12 @@
           </a:prstGeom>
         </p:spPr>
         <p:txBody>
-          <a:bodyPr anchor="t" rtlCol="false" tIns="0" lIns="0" bIns="0" rIns="0">
+          <a:bodyPr lIns="0" tIns="0" rIns="0" bIns="0" rtlCol="0" anchor="t">
             <a:spAutoFit/>
           </a:bodyPr>
           <a:lstStyle/>
           <a:p>
-            <a:pPr algn="l" marL="0" indent="0" lvl="0">
+            <a:pPr marL="0" lvl="0" indent="0" algn="l">
               <a:lnSpc>
                 <a:spcPts val="8959"/>
               </a:lnSpc>
@@ -7245,7 +7278,7 @@
               </a:spcBef>
             </a:pPr>
             <a:r>
-              <a:rPr lang="en-US" b="true" sz="6399" i="true">
+              <a:rPr lang="en-US" sz="6399" b="1" i="1">
                 <a:solidFill>
                   <a:srgbClr val="0F4662"/>
                 </a:solidFill>
@@ -7268,13 +7301,14 @@
 </file>
 
 <file path=ppt/slides/slide8.xml><?xml version="1.0" encoding="utf-8"?>
-<p:sld xmlns:p="http://schemas.openxmlformats.org/presentationml/2006/main" xmlns:a="http://schemas.openxmlformats.org/drawingml/2006/main" xmlns:r="http://schemas.openxmlformats.org/officeDocument/2006/relationships">
+<p:sld xmlns:a="http://schemas.openxmlformats.org/drawingml/2006/main" xmlns:r="http://schemas.openxmlformats.org/officeDocument/2006/relationships" xmlns:p="http://schemas.openxmlformats.org/presentationml/2006/main">
   <p:cSld>
     <p:bg>
       <p:bgPr>
         <a:solidFill>
           <a:srgbClr val="FEFEFE"/>
         </a:solidFill>
+        <a:effectLst/>
       </p:bgPr>
     </p:bg>
     <p:spTree>
@@ -7293,12 +7327,12 @@
       </p:grpSpPr>
       <p:grpSp>
         <p:nvGrpSpPr>
-          <p:cNvPr name="Group 2" id="2"/>
+          <p:cNvPr id="2" name="Group 2"/>
           <p:cNvGrpSpPr/>
           <p:nvPr/>
         </p:nvGrpSpPr>
         <p:grpSpPr>
-          <a:xfrm rot="0">
+          <a:xfrm>
             <a:off x="0" y="0"/>
             <a:ext cx="18288000" cy="1377628"/>
             <a:chOff x="0" y="0"/>
@@ -7307,12 +7341,12 @@
         </p:grpSpPr>
         <p:sp>
           <p:nvSpPr>
-            <p:cNvPr name="Freeform 3" id="3"/>
+            <p:cNvPr id="3" name="Freeform 3"/>
             <p:cNvSpPr/>
             <p:nvPr/>
           </p:nvSpPr>
           <p:spPr>
-            <a:xfrm flipH="false" flipV="false" rot="0">
+            <a:xfrm>
               <a:off x="0" y="0"/>
               <a:ext cx="4816592" cy="362832"/>
             </a:xfrm>
@@ -7321,9 +7355,9 @@
               <a:gdLst/>
               <a:ahLst/>
               <a:cxnLst/>
-              <a:rect r="r" b="b" t="t" l="l"/>
+              <a:rect l="l" t="t" r="r" b="b"/>
               <a:pathLst>
-                <a:path h="362832" w="4816592">
+                <a:path w="4816592" h="362832">
                   <a:moveTo>
                     <a:pt x="0" y="0"/>
                   </a:moveTo>
@@ -7347,8 +7381,8 @@
         </p:sp>
         <p:sp>
           <p:nvSpPr>
-            <p:cNvPr name="TextBox 4" id="4"/>
-            <p:cNvSpPr txBox="true"/>
+            <p:cNvPr id="4" name="TextBox 4"/>
+            <p:cNvSpPr txBox="1"/>
             <p:nvPr/>
           </p:nvSpPr>
           <p:spPr>
@@ -7361,7 +7395,7 @@
             </a:prstGeom>
           </p:spPr>
           <p:txBody>
-            <a:bodyPr anchor="ctr" rtlCol="false" tIns="50800" lIns="50800" bIns="50800" rIns="50800"/>
+            <a:bodyPr lIns="50800" tIns="50800" rIns="50800" bIns="50800" rtlCol="0" anchor="ctr"/>
             <a:lstStyle/>
             <a:p>
               <a:pPr algn="ctr">
@@ -7369,18 +7403,19 @@
                   <a:spcPts val="3693"/>
                 </a:lnSpc>
               </a:pPr>
+              <a:endParaRPr/>
             </a:p>
           </p:txBody>
         </p:sp>
       </p:grpSp>
       <p:sp>
         <p:nvSpPr>
-          <p:cNvPr name="Freeform 5" id="5"/>
+          <p:cNvPr id="5" name="Freeform 5"/>
           <p:cNvSpPr/>
           <p:nvPr/>
         </p:nvSpPr>
         <p:spPr>
-          <a:xfrm flipH="false" flipV="false" rot="0">
+          <a:xfrm>
             <a:off x="1390350" y="2284101"/>
             <a:ext cx="4187042" cy="6579890"/>
           </a:xfrm>
@@ -7389,9 +7424,9 @@
             <a:gdLst/>
             <a:ahLst/>
             <a:cxnLst/>
-            <a:rect r="r" b="b" t="t" l="l"/>
+            <a:rect l="l" t="t" r="r" b="b"/>
             <a:pathLst>
-              <a:path h="6579890" w="4187042">
+              <a:path w="4187042" h="6579890">
                 <a:moveTo>
                   <a:pt x="0" y="0"/>
                 </a:moveTo>
@@ -7414,19 +7449,19 @@
           <a:blipFill>
             <a:blip r:embed="rId2"/>
             <a:stretch>
-              <a:fillRect l="0" t="0" r="-205143" b="0"/>
+              <a:fillRect r="-205143"/>
             </a:stretch>
           </a:blipFill>
         </p:spPr>
       </p:sp>
       <p:sp>
         <p:nvSpPr>
-          <p:cNvPr name="Freeform 6" id="6"/>
+          <p:cNvPr id="6" name="Freeform 6"/>
           <p:cNvSpPr/>
           <p:nvPr/>
         </p:nvSpPr>
         <p:spPr>
-          <a:xfrm flipH="false" flipV="false" rot="0">
+          <a:xfrm>
             <a:off x="9577800" y="1823521"/>
             <a:ext cx="8450120" cy="7241899"/>
           </a:xfrm>
@@ -7435,9 +7470,9 @@
             <a:gdLst/>
             <a:ahLst/>
             <a:cxnLst/>
-            <a:rect r="r" b="b" t="t" l="l"/>
+            <a:rect l="l" t="t" r="r" b="b"/>
             <a:pathLst>
-              <a:path h="7241899" w="8450120">
+              <a:path w="8450120" h="7241899">
                 <a:moveTo>
                   <a:pt x="0" y="0"/>
                 </a:moveTo>
@@ -7460,19 +7495,19 @@
           <a:blipFill>
             <a:blip r:embed="rId2"/>
             <a:stretch>
-              <a:fillRect l="-66411" t="0" r="0" b="0"/>
+              <a:fillRect l="-66411"/>
             </a:stretch>
           </a:blipFill>
         </p:spPr>
       </p:sp>
       <p:sp>
         <p:nvSpPr>
-          <p:cNvPr name="Freeform 7" id="7"/>
+          <p:cNvPr id="7" name="Freeform 7"/>
           <p:cNvSpPr/>
           <p:nvPr/>
         </p:nvSpPr>
         <p:spPr>
-          <a:xfrm flipH="false" flipV="false" rot="0">
+          <a:xfrm>
             <a:off x="6591844" y="4621883"/>
             <a:ext cx="2150676" cy="1904326"/>
           </a:xfrm>
@@ -7481,9 +7516,9 @@
             <a:gdLst/>
             <a:ahLst/>
             <a:cxnLst/>
-            <a:rect r="r" b="b" t="t" l="l"/>
+            <a:rect l="l" t="t" r="r" b="b"/>
             <a:pathLst>
-              <a:path h="1904326" w="2150676">
+              <a:path w="2150676" h="1904326">
                 <a:moveTo>
                   <a:pt x="0" y="0"/>
                 </a:moveTo>
@@ -7513,19 +7548,19 @@
               </a:extLst>
             </a:blip>
             <a:stretch>
-              <a:fillRect l="0" t="0" r="0" b="0"/>
+              <a:fillRect/>
             </a:stretch>
           </a:blipFill>
         </p:spPr>
       </p:sp>
       <p:sp>
         <p:nvSpPr>
-          <p:cNvPr name="TextBox 8" id="8"/>
-          <p:cNvSpPr txBox="true"/>
-          <p:nvPr/>
-        </p:nvSpPr>
-        <p:spPr>
-          <a:xfrm rot="0">
+          <p:cNvPr id="8" name="TextBox 8"/>
+          <p:cNvSpPr txBox="1"/>
+          <p:nvPr/>
+        </p:nvSpPr>
+        <p:spPr>
+          <a:xfrm>
             <a:off x="248781" y="132114"/>
             <a:ext cx="12064158" cy="1085215"/>
           </a:xfrm>
@@ -7534,12 +7569,12 @@
           </a:prstGeom>
         </p:spPr>
         <p:txBody>
-          <a:bodyPr anchor="t" rtlCol="false" tIns="0" lIns="0" bIns="0" rIns="0">
+          <a:bodyPr lIns="0" tIns="0" rIns="0" bIns="0" rtlCol="0" anchor="t">
             <a:spAutoFit/>
           </a:bodyPr>
           <a:lstStyle/>
           <a:p>
-            <a:pPr algn="l" marL="0" indent="0" lvl="0">
+            <a:pPr marL="0" lvl="0" indent="0" algn="l">
               <a:lnSpc>
                 <a:spcPts val="8959"/>
               </a:lnSpc>
@@ -7548,7 +7583,7 @@
               </a:spcBef>
             </a:pPr>
             <a:r>
-              <a:rPr lang="en-US" b="true" sz="6399" i="true">
+              <a:rPr lang="en-US" sz="6399" b="1" i="1">
                 <a:solidFill>
                   <a:srgbClr val="0F4662"/>
                 </a:solidFill>
@@ -7564,60 +7599,60 @@
       </p:sp>
       <p:sp>
         <p:nvSpPr>
-          <p:cNvPr name="AutoShape 9" id="9"/>
+          <p:cNvPr id="9" name="AutoShape 9"/>
           <p:cNvSpPr/>
           <p:nvPr/>
         </p:nvSpPr>
         <p:spPr>
-          <a:xfrm flipH="true">
+          <a:xfrm flipH="1">
             <a:off x="8619305" y="5620127"/>
             <a:ext cx="958494" cy="0"/>
           </a:xfrm>
           <a:prstGeom prst="line">
             <a:avLst/>
           </a:prstGeom>
-          <a:ln cap="flat" w="38100">
+          <a:ln w="38100" cap="flat">
             <a:solidFill>
               <a:srgbClr val="4A6FF4"/>
             </a:solidFill>
             <a:prstDash val="solid"/>
-            <a:headEnd type="none" len="sm" w="sm"/>
-            <a:tailEnd type="none" len="sm" w="sm"/>
+            <a:headEnd type="none" w="sm" len="sm"/>
+            <a:tailEnd type="none" w="sm" len="sm"/>
           </a:ln>
         </p:spPr>
       </p:sp>
       <p:sp>
         <p:nvSpPr>
-          <p:cNvPr name="AutoShape 10" id="10"/>
+          <p:cNvPr id="10" name="AutoShape 10"/>
           <p:cNvSpPr/>
           <p:nvPr/>
         </p:nvSpPr>
         <p:spPr>
-          <a:xfrm flipH="true">
+          <a:xfrm flipH="1">
             <a:off x="5560712" y="5574046"/>
             <a:ext cx="1058962" cy="246608"/>
           </a:xfrm>
           <a:prstGeom prst="line">
             <a:avLst/>
           </a:prstGeom>
-          <a:ln cap="flat" w="38100">
+          <a:ln w="38100" cap="flat">
             <a:solidFill>
               <a:srgbClr val="4A6FF4"/>
             </a:solidFill>
             <a:prstDash val="solid"/>
-            <a:headEnd type="none" len="sm" w="sm"/>
-            <a:tailEnd type="none" len="sm" w="sm"/>
+            <a:headEnd type="none" w="sm" len="sm"/>
+            <a:tailEnd type="none" w="sm" len="sm"/>
           </a:ln>
         </p:spPr>
       </p:sp>
       <p:sp>
         <p:nvSpPr>
-          <p:cNvPr name="TextBox 11" id="11"/>
-          <p:cNvSpPr txBox="true"/>
-          <p:nvPr/>
-        </p:nvSpPr>
-        <p:spPr>
-          <a:xfrm rot="0">
+          <p:cNvPr id="11" name="TextBox 11"/>
+          <p:cNvSpPr txBox="1"/>
+          <p:nvPr/>
+        </p:nvSpPr>
+        <p:spPr>
+          <a:xfrm>
             <a:off x="6910867" y="6402384"/>
             <a:ext cx="1333459" cy="521772"/>
           </a:xfrm>
@@ -7626,7 +7661,7 @@
           </a:prstGeom>
         </p:spPr>
         <p:txBody>
-          <a:bodyPr anchor="t" rtlCol="false" tIns="0" lIns="0" bIns="0" rIns="0">
+          <a:bodyPr lIns="0" tIns="0" rIns="0" bIns="0" rtlCol="0" anchor="t">
             <a:spAutoFit/>
           </a:bodyPr>
           <a:lstStyle/>
@@ -7637,7 +7672,7 @@
               </a:lnSpc>
             </a:pPr>
             <a:r>
-              <a:rPr lang="en-US" sz="2638" b="true">
+              <a:rPr lang="en-US" sz="2638" b="1">
                 <a:solidFill>
                   <a:srgbClr val="0F4662"/>
                 </a:solidFill>
@@ -7660,13 +7695,14 @@
 </file>
 
 <file path=ppt/slides/slide9.xml><?xml version="1.0" encoding="utf-8"?>
-<p:sld xmlns:p="http://schemas.openxmlformats.org/presentationml/2006/main" xmlns:a="http://schemas.openxmlformats.org/drawingml/2006/main" xmlns:r="http://schemas.openxmlformats.org/officeDocument/2006/relationships">
+<p:sld xmlns:a="http://schemas.openxmlformats.org/drawingml/2006/main" xmlns:r="http://schemas.openxmlformats.org/officeDocument/2006/relationships" xmlns:p="http://schemas.openxmlformats.org/presentationml/2006/main">
   <p:cSld>
     <p:bg>
       <p:bgPr>
         <a:solidFill>
           <a:srgbClr val="F8F8F8"/>
         </a:solidFill>
+        <a:effectLst/>
       </p:bgPr>
     </p:bg>
     <p:spTree>
@@ -7685,12 +7721,12 @@
       </p:grpSpPr>
       <p:grpSp>
         <p:nvGrpSpPr>
-          <p:cNvPr name="Group 2" id="2"/>
+          <p:cNvPr id="2" name="Group 2"/>
           <p:cNvGrpSpPr/>
           <p:nvPr/>
         </p:nvGrpSpPr>
         <p:grpSpPr>
-          <a:xfrm rot="0">
+          <a:xfrm>
             <a:off x="0" y="0"/>
             <a:ext cx="18288000" cy="1055326"/>
             <a:chOff x="0" y="0"/>
@@ -7699,12 +7735,12 @@
         </p:grpSpPr>
         <p:sp>
           <p:nvSpPr>
-            <p:cNvPr name="Freeform 3" id="3"/>
+            <p:cNvPr id="3" name="Freeform 3"/>
             <p:cNvSpPr/>
             <p:nvPr/>
           </p:nvSpPr>
           <p:spPr>
-            <a:xfrm flipH="false" flipV="false" rot="0">
+            <a:xfrm>
               <a:off x="0" y="0"/>
               <a:ext cx="4816592" cy="277946"/>
             </a:xfrm>
@@ -7713,9 +7749,9 @@
               <a:gdLst/>
               <a:ahLst/>
               <a:cxnLst/>
-              <a:rect r="r" b="b" t="t" l="l"/>
+              <a:rect l="l" t="t" r="r" b="b"/>
               <a:pathLst>
-                <a:path h="277946" w="4816592">
+                <a:path w="4816592" h="277946">
                   <a:moveTo>
                     <a:pt x="0" y="0"/>
                   </a:moveTo>
@@ -7739,8 +7775,8 @@
         </p:sp>
         <p:sp>
           <p:nvSpPr>
-            <p:cNvPr name="TextBox 4" id="4"/>
-            <p:cNvSpPr txBox="true"/>
+            <p:cNvPr id="4" name="TextBox 4"/>
+            <p:cNvSpPr txBox="1"/>
             <p:nvPr/>
           </p:nvSpPr>
           <p:spPr>
@@ -7753,7 +7789,7 @@
             </a:prstGeom>
           </p:spPr>
           <p:txBody>
-            <a:bodyPr anchor="ctr" rtlCol="false" tIns="50800" lIns="50800" bIns="50800" rIns="50800"/>
+            <a:bodyPr lIns="50800" tIns="50800" rIns="50800" bIns="50800" rtlCol="0" anchor="ctr"/>
             <a:lstStyle/>
             <a:p>
               <a:pPr algn="ctr">
@@ -7761,18 +7797,19 @@
                   <a:spcPts val="3693"/>
                 </a:lnSpc>
               </a:pPr>
+              <a:endParaRPr/>
             </a:p>
           </p:txBody>
         </p:sp>
       </p:grpSp>
       <p:sp>
         <p:nvSpPr>
-          <p:cNvPr name="TextBox 5" id="5"/>
-          <p:cNvSpPr txBox="true"/>
-          <p:nvPr/>
-        </p:nvSpPr>
-        <p:spPr>
-          <a:xfrm rot="0">
+          <p:cNvPr id="5" name="TextBox 5"/>
+          <p:cNvSpPr txBox="1"/>
+          <p:nvPr/>
+        </p:nvSpPr>
+        <p:spPr>
+          <a:xfrm>
             <a:off x="277486" y="-618"/>
             <a:ext cx="11582097" cy="1055944"/>
           </a:xfrm>
@@ -7781,12 +7818,12 @@
           </a:prstGeom>
         </p:spPr>
         <p:txBody>
-          <a:bodyPr anchor="t" rtlCol="false" tIns="0" lIns="0" bIns="0" rIns="0">
+          <a:bodyPr lIns="0" tIns="0" rIns="0" bIns="0" rtlCol="0" anchor="t">
             <a:spAutoFit/>
           </a:bodyPr>
           <a:lstStyle/>
           <a:p>
-            <a:pPr algn="l" marL="0" indent="0" lvl="0">
+            <a:pPr marL="0" lvl="0" indent="0" algn="l">
               <a:lnSpc>
                 <a:spcPts val="8601"/>
               </a:lnSpc>
@@ -7795,7 +7832,7 @@
               </a:spcBef>
             </a:pPr>
             <a:r>
-              <a:rPr lang="en-US" b="true" sz="6144" i="true">
+              <a:rPr lang="en-US" sz="6144" b="1" i="1">
                 <a:solidFill>
                   <a:srgbClr val="0F4662"/>
                 </a:solidFill>
@@ -7811,58 +7848,12 @@
       </p:sp>
       <p:sp>
         <p:nvSpPr>
-          <p:cNvPr name="Freeform 6" id="6"/>
-          <p:cNvSpPr/>
-          <p:nvPr/>
-        </p:nvSpPr>
-        <p:spPr>
-          <a:xfrm flipH="false" flipV="false" rot="0">
-            <a:off x="1028700" y="1055326"/>
-            <a:ext cx="14322701" cy="9435080"/>
-          </a:xfrm>
-          <a:custGeom>
-            <a:avLst/>
-            <a:gdLst/>
-            <a:ahLst/>
-            <a:cxnLst/>
-            <a:rect r="r" b="b" t="t" l="l"/>
-            <a:pathLst>
-              <a:path h="9435080" w="14322701">
-                <a:moveTo>
-                  <a:pt x="0" y="0"/>
-                </a:moveTo>
-                <a:lnTo>
-                  <a:pt x="14322701" y="0"/>
-                </a:lnTo>
-                <a:lnTo>
-                  <a:pt x="14322701" y="9435080"/>
-                </a:lnTo>
-                <a:lnTo>
-                  <a:pt x="0" y="9435080"/>
-                </a:lnTo>
-                <a:lnTo>
-                  <a:pt x="0" y="0"/>
-                </a:lnTo>
-                <a:close/>
-              </a:path>
-            </a:pathLst>
-          </a:custGeom>
-          <a:blipFill>
-            <a:blip r:embed="rId2"/>
-            <a:stretch>
-              <a:fillRect l="0" t="0" r="0" b="0"/>
-            </a:stretch>
-          </a:blipFill>
-        </p:spPr>
-      </p:sp>
-      <p:sp>
-        <p:nvSpPr>
-          <p:cNvPr name="TextBox 7" id="7"/>
-          <p:cNvSpPr txBox="true"/>
-          <p:nvPr/>
-        </p:nvSpPr>
-        <p:spPr>
-          <a:xfrm rot="0">
+          <p:cNvPr id="7" name="TextBox 7"/>
+          <p:cNvSpPr txBox="1"/>
+          <p:nvPr/>
+        </p:nvSpPr>
+        <p:spPr>
+          <a:xfrm>
             <a:off x="15611208" y="9037062"/>
             <a:ext cx="2418447" cy="1000125"/>
           </a:xfrm>
@@ -7871,7 +7862,7 @@
           </a:prstGeom>
         </p:spPr>
         <p:txBody>
-          <a:bodyPr anchor="t" rtlCol="false" tIns="0" lIns="0" bIns="0" rIns="0">
+          <a:bodyPr lIns="0" tIns="0" rIns="0" bIns="0" rtlCol="0" anchor="t">
             <a:spAutoFit/>
           </a:bodyPr>
           <a:lstStyle/>
@@ -7882,7 +7873,7 @@
               </a:lnSpc>
             </a:pPr>
             <a:r>
-              <a:rPr lang="en-US" b="true" sz="2400" u="sng">
+              <a:rPr lang="en-US" sz="2400" b="1" u="sng">
                 <a:solidFill>
                   <a:srgbClr val="CA521F"/>
                 </a:solidFill>
@@ -7890,13 +7881,43 @@
                 <a:ea typeface="Quicksand Bold"/>
                 <a:cs typeface="Quicksand Bold"/>
                 <a:sym typeface="Quicksand Bold"/>
-                <a:hlinkClick r:id="rId3" tooltip="https://docs.google.com/spreadsheets/d/1Md0OZqnHKgUrlB5ebF2oMbmaZ7tJwSC-Sucruai1V-k/edit?gid=0#gid=0"/>
+                <a:hlinkClick r:id="rId2" tooltip="https://docs.google.com/spreadsheets/d/1Md0OZqnHKgUrlB5ebF2oMbmaZ7tJwSC-Sucruai1V-k/edit?gid=0#gid=0"/>
               </a:rPr>
               <a:t>Link dẫn đến kế hoạch dự án</a:t>
             </a:r>
           </a:p>
         </p:txBody>
       </p:sp>
+      <p:pic>
+        <p:nvPicPr>
+          <p:cNvPr id="9" name="Picture 8">
+            <a:extLst>
+              <a:ext uri="{FF2B5EF4-FFF2-40B4-BE49-F238E27FC236}">
+                <a16:creationId xmlns:a16="http://schemas.microsoft.com/office/drawing/2014/main" id="{D7806C1E-AE8A-49ED-9E8D-058427AD81A5}"/>
+              </a:ext>
+            </a:extLst>
+          </p:cNvPr>
+          <p:cNvPicPr>
+            <a:picLocks noChangeAspect="1"/>
+          </p:cNvPicPr>
+          <p:nvPr/>
+        </p:nvPicPr>
+        <p:blipFill>
+          <a:blip r:embed="rId3"/>
+          <a:stretch>
+            <a:fillRect/>
+          </a:stretch>
+        </p:blipFill>
+        <p:spPr>
+          <a:xfrm>
+            <a:off x="533400" y="1981200"/>
+            <a:ext cx="17632199" cy="6743700"/>
+          </a:xfrm>
+          <a:prstGeom prst="rect">
+            <a:avLst/>
+          </a:prstGeom>
+        </p:spPr>
+      </p:pic>
     </p:spTree>
   </p:cSld>
   <p:clrMapOvr>
